--- a/docs/diagrams/UiComponentClassDiagram.pptx
+++ b/docs/diagrams/UiComponentClassDiagram.pptx
@@ -126,6 +126,10 @@
 </p:presentation>
 </file>
 
+<file path=ppt/revisionInfo.xml><?xml version="1.0" encoding="utf-8"?>
+<p1510:revInfo xmlns:a="http://schemas.openxmlformats.org/drawingml/2006/main" xmlns:r="http://schemas.openxmlformats.org/officeDocument/2006/relationships" xmlns:p1510="http://schemas.microsoft.com/office/powerpoint/2015/10/main"/>
+</file>
+
 <file path=ppt/notesMasters/notesMaster1.xml><?xml version="1.0" encoding="utf-8"?>
 <p:notesMaster xmlns:a="http://schemas.openxmlformats.org/drawingml/2006/main" xmlns:r="http://schemas.openxmlformats.org/officeDocument/2006/relationships" xmlns:p="http://schemas.openxmlformats.org/presentationml/2006/main">
   <p:cSld>
@@ -208,7 +212,7 @@
           <a:p>
             <a:fld id="{F5CC4B3F-88C1-4FFA-B1B6-F41C21DC6924}" type="datetimeFigureOut">
               <a:rPr lang="en-US" smtClean="0"/>
-              <a:t>1/7/2017</a:t>
+              <a:t>10/18/2017</a:t>
             </a:fld>
             <a:endParaRPr lang="en-US"/>
           </a:p>
@@ -654,7 +658,7 @@
           <a:p>
             <a:fld id="{78C97017-6FC3-485B-9764-EAC9E56C1D49}" type="datetimeFigureOut">
               <a:rPr lang="en-US" smtClean="0"/>
-              <a:t>1/7/2017</a:t>
+              <a:t>10/18/2017</a:t>
             </a:fld>
             <a:endParaRPr lang="en-US"/>
           </a:p>
@@ -822,7 +826,7 @@
           <a:p>
             <a:fld id="{78C97017-6FC3-485B-9764-EAC9E56C1D49}" type="datetimeFigureOut">
               <a:rPr lang="en-US" smtClean="0"/>
-              <a:t>1/7/2017</a:t>
+              <a:t>10/18/2017</a:t>
             </a:fld>
             <a:endParaRPr lang="en-US"/>
           </a:p>
@@ -1000,7 +1004,7 @@
           <a:p>
             <a:fld id="{78C97017-6FC3-485B-9764-EAC9E56C1D49}" type="datetimeFigureOut">
               <a:rPr lang="en-US" smtClean="0"/>
-              <a:t>1/7/2017</a:t>
+              <a:t>10/18/2017</a:t>
             </a:fld>
             <a:endParaRPr lang="en-US"/>
           </a:p>
@@ -1168,7 +1172,7 @@
           <a:p>
             <a:fld id="{78C97017-6FC3-485B-9764-EAC9E56C1D49}" type="datetimeFigureOut">
               <a:rPr lang="en-US" smtClean="0"/>
-              <a:t>1/7/2017</a:t>
+              <a:t>10/18/2017</a:t>
             </a:fld>
             <a:endParaRPr lang="en-US"/>
           </a:p>
@@ -1413,7 +1417,7 @@
           <a:p>
             <a:fld id="{78C97017-6FC3-485B-9764-EAC9E56C1D49}" type="datetimeFigureOut">
               <a:rPr lang="en-US" smtClean="0"/>
-              <a:t>1/7/2017</a:t>
+              <a:t>10/18/2017</a:t>
             </a:fld>
             <a:endParaRPr lang="en-US"/>
           </a:p>
@@ -1698,7 +1702,7 @@
           <a:p>
             <a:fld id="{78C97017-6FC3-485B-9764-EAC9E56C1D49}" type="datetimeFigureOut">
               <a:rPr lang="en-US" smtClean="0"/>
-              <a:t>1/7/2017</a:t>
+              <a:t>10/18/2017</a:t>
             </a:fld>
             <a:endParaRPr lang="en-US"/>
           </a:p>
@@ -2117,7 +2121,7 @@
           <a:p>
             <a:fld id="{78C97017-6FC3-485B-9764-EAC9E56C1D49}" type="datetimeFigureOut">
               <a:rPr lang="en-US" smtClean="0"/>
-              <a:t>1/7/2017</a:t>
+              <a:t>10/18/2017</a:t>
             </a:fld>
             <a:endParaRPr lang="en-US"/>
           </a:p>
@@ -2234,7 +2238,7 @@
           <a:p>
             <a:fld id="{78C97017-6FC3-485B-9764-EAC9E56C1D49}" type="datetimeFigureOut">
               <a:rPr lang="en-US" smtClean="0"/>
-              <a:t>1/7/2017</a:t>
+              <a:t>10/18/2017</a:t>
             </a:fld>
             <a:endParaRPr lang="en-US"/>
           </a:p>
@@ -2329,7 +2333,7 @@
           <a:p>
             <a:fld id="{78C97017-6FC3-485B-9764-EAC9E56C1D49}" type="datetimeFigureOut">
               <a:rPr lang="en-US" smtClean="0"/>
-              <a:t>1/7/2017</a:t>
+              <a:t>10/18/2017</a:t>
             </a:fld>
             <a:endParaRPr lang="en-US"/>
           </a:p>
@@ -2604,7 +2608,7 @@
           <a:p>
             <a:fld id="{78C97017-6FC3-485B-9764-EAC9E56C1D49}" type="datetimeFigureOut">
               <a:rPr lang="en-US" smtClean="0"/>
-              <a:t>1/7/2017</a:t>
+              <a:t>10/18/2017</a:t>
             </a:fld>
             <a:endParaRPr lang="en-US"/>
           </a:p>
@@ -2856,7 +2860,7 @@
           <a:p>
             <a:fld id="{78C97017-6FC3-485B-9764-EAC9E56C1D49}" type="datetimeFigureOut">
               <a:rPr lang="en-US" smtClean="0"/>
-              <a:t>1/7/2017</a:t>
+              <a:t>10/18/2017</a:t>
             </a:fld>
             <a:endParaRPr lang="en-US"/>
           </a:p>
@@ -3067,7 +3071,7 @@
           <a:p>
             <a:fld id="{78C97017-6FC3-485B-9764-EAC9E56C1D49}" type="datetimeFigureOut">
               <a:rPr lang="en-US" smtClean="0"/>
-              <a:t>1/7/2017</a:t>
+              <a:t>10/18/2017</a:t>
             </a:fld>
             <a:endParaRPr lang="en-US"/>
           </a:p>
@@ -3450,7 +3454,7 @@
         </p:nvSpPr>
         <p:spPr>
           <a:xfrm>
-            <a:off x="1217465" y="1447800"/>
+            <a:off x="685800" y="152400"/>
             <a:ext cx="4917083" cy="3962400"/>
           </a:xfrm>
           <a:prstGeom prst="roundRect">
@@ -3512,7 +3516,7 @@
         </p:nvSpPr>
         <p:spPr>
           <a:xfrm>
-            <a:off x="2095948" y="2341220"/>
+            <a:off x="1564283" y="1045820"/>
             <a:ext cx="1093635" cy="346760"/>
           </a:xfrm>
           <a:prstGeom prst="rect">
@@ -3545,7 +3549,7 @@
           <a:p>
             <a:pPr algn="ctr"/>
             <a:r>
-              <a:rPr lang="en-US" sz="1050" b="1" dirty="0" err="1">
+              <a:rPr lang="en-US" sz="1050" b="1" dirty="0">
                 <a:solidFill>
                   <a:schemeClr val="accent3">
                     <a:lumMod val="75000"/>
@@ -3572,7 +3576,7 @@
         </p:nvSpPr>
         <p:spPr>
           <a:xfrm>
-            <a:off x="2592528" y="2971800"/>
+            <a:off x="2060863" y="1676400"/>
             <a:ext cx="1093635" cy="236841"/>
           </a:xfrm>
           <a:prstGeom prst="rect">
@@ -3605,7 +3609,7 @@
           <a:p>
             <a:pPr algn="ctr"/>
             <a:r>
-              <a:rPr lang="en-US" sz="1050" b="1" dirty="0" err="1">
+              <a:rPr lang="en-US" sz="1050" b="1" dirty="0">
                 <a:solidFill>
                   <a:schemeClr val="accent3">
                     <a:lumMod val="75000"/>
@@ -3632,7 +3636,7 @@
         </p:nvSpPr>
         <p:spPr>
           <a:xfrm>
-            <a:off x="2092842" y="1770924"/>
+            <a:off x="1561177" y="475524"/>
             <a:ext cx="1093635" cy="346760"/>
           </a:xfrm>
           <a:prstGeom prst="rect">
@@ -3694,7 +3698,7 @@
         </p:nvCxnSpPr>
         <p:spPr>
           <a:xfrm rot="16200000" flipH="1">
-            <a:off x="2529445" y="2227899"/>
+            <a:off x="1997780" y="932499"/>
             <a:ext cx="223536" cy="3106"/>
           </a:xfrm>
           <a:prstGeom prst="bentConnector3">
@@ -3734,7 +3738,7 @@
         </p:nvSpPr>
         <p:spPr>
           <a:xfrm rot="10800000" flipV="1">
-            <a:off x="5394717" y="2110477"/>
+            <a:off x="4863052" y="815077"/>
             <a:ext cx="270504" cy="175523"/>
           </a:xfrm>
           <a:prstGeom prst="triangle">
@@ -3777,12 +3781,14 @@
       <p:cxnSp>
         <p:nvCxnSpPr>
           <p:cNvPr id="19" name="Elbow Connector 122"/>
-          <p:cNvCxnSpPr/>
+          <p:cNvCxnSpPr>
+            <a:cxnSpLocks/>
+          </p:cNvCxnSpPr>
           <p:nvPr/>
         </p:nvCxnSpPr>
         <p:spPr>
           <a:xfrm flipV="1">
-            <a:off x="644735" y="2991937"/>
+            <a:off x="113070" y="1696537"/>
             <a:ext cx="684904" cy="1"/>
           </a:xfrm>
           <a:prstGeom prst="bentConnector3">
@@ -3825,7 +3831,7 @@
         </p:nvSpPr>
         <p:spPr>
           <a:xfrm rot="16200000">
-            <a:off x="5703829" y="2464877"/>
+            <a:off x="5172164" y="1169477"/>
             <a:ext cx="2362201" cy="328045"/>
           </a:xfrm>
           <a:prstGeom prst="roundRect">
@@ -3885,7 +3891,7 @@
         </p:nvSpPr>
         <p:spPr>
           <a:xfrm>
-            <a:off x="2592528" y="3649359"/>
+            <a:off x="2060863" y="2353959"/>
             <a:ext cx="1093635" cy="236841"/>
           </a:xfrm>
           <a:prstGeom prst="rect">
@@ -3918,14 +3924,14 @@
           <a:p>
             <a:pPr algn="ctr"/>
             <a:r>
-              <a:rPr lang="en-US" sz="1050" b="1" dirty="0" err="1">
+              <a:rPr lang="en-US" sz="1050" b="1" dirty="0">
                 <a:solidFill>
                   <a:schemeClr val="accent3">
                     <a:lumMod val="75000"/>
                   </a:schemeClr>
                 </a:solidFill>
               </a:rPr>
-              <a:t>BrowserPanel</a:t>
+              <a:t>PersonPanel</a:t>
             </a:r>
             <a:endParaRPr lang="en-SG" sz="1050" b="1" dirty="0">
               <a:solidFill>
@@ -3945,7 +3951,7 @@
         </p:nvSpPr>
         <p:spPr>
           <a:xfrm>
-            <a:off x="2592527" y="4563759"/>
+            <a:off x="2060862" y="3268359"/>
             <a:ext cx="1093635" cy="236841"/>
           </a:xfrm>
           <a:prstGeom prst="rect">
@@ -3978,7 +3984,7 @@
           <a:p>
             <a:pPr algn="ctr"/>
             <a:r>
-              <a:rPr lang="en-US" sz="1050" b="1" dirty="0" err="1">
+              <a:rPr lang="en-US" sz="1050" b="1" dirty="0">
                 <a:solidFill>
                   <a:schemeClr val="accent3">
                     <a:lumMod val="75000"/>
@@ -4005,7 +4011,7 @@
         </p:nvSpPr>
         <p:spPr>
           <a:xfrm>
-            <a:off x="2592526" y="3991960"/>
+            <a:off x="2060861" y="2696560"/>
             <a:ext cx="1093635" cy="236841"/>
           </a:xfrm>
           <a:prstGeom prst="rect">
@@ -4038,7 +4044,7 @@
           <a:p>
             <a:pPr algn="ctr"/>
             <a:r>
-              <a:rPr lang="en-US" sz="1050" b="1" dirty="0" err="1">
+              <a:rPr lang="en-US" sz="1050" b="1" dirty="0">
                 <a:solidFill>
                   <a:schemeClr val="accent3">
                     <a:lumMod val="75000"/>
@@ -4065,7 +4071,7 @@
         </p:nvSpPr>
         <p:spPr>
           <a:xfrm>
-            <a:off x="3839323" y="4228801"/>
+            <a:off x="3307658" y="2933401"/>
             <a:ext cx="1040906" cy="236841"/>
           </a:xfrm>
           <a:prstGeom prst="rect">
@@ -4098,7 +4104,7 @@
           <a:p>
             <a:pPr algn="ctr"/>
             <a:r>
-              <a:rPr lang="en-US" sz="1050" b="1" dirty="0" err="1">
+              <a:rPr lang="en-US" sz="1050" b="1" dirty="0">
                 <a:solidFill>
                   <a:schemeClr val="accent3">
                     <a:lumMod val="75000"/>
@@ -4125,7 +4131,7 @@
         </p:nvSpPr>
         <p:spPr>
           <a:xfrm>
-            <a:off x="2592528" y="4966000"/>
+            <a:off x="2060863" y="3670600"/>
             <a:ext cx="1093635" cy="236841"/>
           </a:xfrm>
           <a:prstGeom prst="rect">
@@ -4158,7 +4164,7 @@
           <a:p>
             <a:pPr algn="ctr"/>
             <a:r>
-              <a:rPr lang="en-US" sz="1050" b="1" dirty="0" err="1">
+              <a:rPr lang="en-US" sz="1050" b="1" dirty="0">
                 <a:solidFill>
                   <a:schemeClr val="accent3">
                     <a:lumMod val="75000"/>
@@ -4185,7 +4191,7 @@
         </p:nvSpPr>
         <p:spPr>
           <a:xfrm>
-            <a:off x="2324548" y="2706452"/>
+            <a:off x="1792883" y="1411052"/>
             <a:ext cx="183156" cy="161573"/>
           </a:xfrm>
           <a:prstGeom prst="flowChartDecision">
@@ -4236,7 +4242,7 @@
         </p:nvCxnSpPr>
         <p:spPr>
           <a:xfrm rot="16200000" flipH="1">
-            <a:off x="2393229" y="2890922"/>
+            <a:off x="1861564" y="1595522"/>
             <a:ext cx="222196" cy="176402"/>
           </a:xfrm>
           <a:prstGeom prst="bentConnector2">
@@ -4274,7 +4280,7 @@
         </p:nvSpPr>
         <p:spPr>
           <a:xfrm>
-            <a:off x="2590799" y="3304308"/>
+            <a:off x="2059134" y="2008908"/>
             <a:ext cx="1095361" cy="236841"/>
           </a:xfrm>
           <a:prstGeom prst="rect">
@@ -4307,7 +4313,7 @@
           <a:p>
             <a:pPr algn="ctr"/>
             <a:r>
-              <a:rPr lang="en-US" sz="1050" b="1" dirty="0" err="1">
+              <a:rPr lang="en-US" sz="1050" b="1" dirty="0">
                 <a:solidFill>
                   <a:schemeClr val="accent3">
                     <a:lumMod val="75000"/>
@@ -4337,7 +4343,7 @@
         </p:nvCxnSpPr>
         <p:spPr>
           <a:xfrm rot="16200000" flipH="1">
-            <a:off x="2054450" y="3229701"/>
+            <a:off x="1522785" y="1934301"/>
             <a:ext cx="899755" cy="176402"/>
           </a:xfrm>
           <a:prstGeom prst="bentConnector2">
@@ -4378,7 +4384,7 @@
         </p:nvCxnSpPr>
         <p:spPr>
           <a:xfrm rot="16200000" flipH="1">
-            <a:off x="1883148" y="3401003"/>
+            <a:off x="1351483" y="2105603"/>
             <a:ext cx="1242356" cy="176400"/>
           </a:xfrm>
           <a:prstGeom prst="bentConnector2">
@@ -4419,7 +4425,7 @@
         </p:nvCxnSpPr>
         <p:spPr>
           <a:xfrm rot="16200000" flipH="1">
-            <a:off x="1597249" y="3686901"/>
+            <a:off x="1065584" y="2391501"/>
             <a:ext cx="1814155" cy="176401"/>
           </a:xfrm>
           <a:prstGeom prst="bentConnector2">
@@ -4459,7 +4465,7 @@
         </p:nvCxnSpPr>
         <p:spPr>
           <a:xfrm rot="16200000" flipH="1">
-            <a:off x="1184119" y="3676012"/>
+            <a:off x="652454" y="2380612"/>
             <a:ext cx="2396440" cy="420377"/>
           </a:xfrm>
           <a:prstGeom prst="bentConnector2">
@@ -4497,7 +4503,7 @@
         </p:nvSpPr>
         <p:spPr>
           <a:xfrm>
-            <a:off x="5143948" y="1770924"/>
+            <a:off x="4612283" y="475524"/>
             <a:ext cx="772043" cy="346760"/>
           </a:xfrm>
           <a:prstGeom prst="rect">
@@ -4579,7 +4585,7 @@
         </p:nvCxnSpPr>
         <p:spPr>
           <a:xfrm flipV="1">
-            <a:off x="3686160" y="2286000"/>
+            <a:off x="3154495" y="990600"/>
             <a:ext cx="1843809" cy="1136729"/>
           </a:xfrm>
           <a:prstGeom prst="bentConnector2">
@@ -4620,7 +4626,7 @@
         </p:nvCxnSpPr>
         <p:spPr>
           <a:xfrm rot="5400000">
-            <a:off x="4174488" y="2991741"/>
+            <a:off x="3642823" y="1696341"/>
             <a:ext cx="2061222" cy="649740"/>
           </a:xfrm>
           <a:prstGeom prst="bentConnector2">
@@ -4661,7 +4667,7 @@
         </p:nvCxnSpPr>
         <p:spPr>
           <a:xfrm rot="5400000">
-            <a:off x="3867176" y="2104987"/>
+            <a:off x="3335511" y="809587"/>
             <a:ext cx="1481780" cy="1843806"/>
           </a:xfrm>
           <a:prstGeom prst="bentConnector2">
@@ -4702,7 +4708,7 @@
         </p:nvCxnSpPr>
         <p:spPr>
           <a:xfrm flipV="1">
-            <a:off x="3189583" y="2286000"/>
+            <a:off x="2657918" y="990600"/>
             <a:ext cx="2340386" cy="228600"/>
           </a:xfrm>
           <a:prstGeom prst="bentConnector2">
@@ -4743,7 +4749,7 @@
         </p:nvCxnSpPr>
         <p:spPr>
           <a:xfrm rot="5400000">
-            <a:off x="3409976" y="2562187"/>
+            <a:off x="2878311" y="1266787"/>
             <a:ext cx="2396180" cy="1843807"/>
           </a:xfrm>
           <a:prstGeom prst="bentConnector2">
@@ -4784,7 +4790,7 @@
         </p:nvCxnSpPr>
         <p:spPr>
           <a:xfrm rot="5400000">
-            <a:off x="3208856" y="2763307"/>
+            <a:off x="2677191" y="1467907"/>
             <a:ext cx="2798421" cy="1843806"/>
           </a:xfrm>
           <a:prstGeom prst="bentConnector2">
@@ -4824,7 +4830,7 @@
         </p:nvCxnSpPr>
         <p:spPr>
           <a:xfrm rot="5400000" flipH="1" flipV="1">
-            <a:off x="4594921" y="-355061"/>
+            <a:off x="4063256" y="-1650461"/>
             <a:ext cx="170724" cy="4081246"/>
           </a:xfrm>
           <a:prstGeom prst="bentConnector2">
@@ -4863,7 +4869,7 @@
         </p:nvSpPr>
         <p:spPr>
           <a:xfrm rot="16200000">
-            <a:off x="6213739" y="4560376"/>
+            <a:off x="5682074" y="3264976"/>
             <a:ext cx="1371599" cy="328045"/>
           </a:xfrm>
           <a:prstGeom prst="roundRect">
@@ -4923,7 +4929,7 @@
         </p:nvSpPr>
         <p:spPr>
           <a:xfrm rot="16200000">
-            <a:off x="956202" y="2861202"/>
+            <a:off x="424537" y="1565802"/>
             <a:ext cx="1093635" cy="346760"/>
           </a:xfrm>
           <a:prstGeom prst="rect">
@@ -4970,7 +4976,7 @@
           <a:p>
             <a:pPr algn="ctr"/>
             <a:r>
-              <a:rPr lang="en-US" sz="1050" dirty="0" err="1">
+              <a:rPr lang="en-US" sz="1050" dirty="0">
                 <a:solidFill>
                   <a:schemeClr val="bg1"/>
                 </a:solidFill>
@@ -4993,7 +4999,7 @@
         </p:nvSpPr>
         <p:spPr>
           <a:xfrm flipV="1">
-            <a:off x="1367767" y="2286001"/>
+            <a:off x="836102" y="990601"/>
             <a:ext cx="270504" cy="175523"/>
           </a:xfrm>
           <a:prstGeom prst="triangle">
@@ -5044,7 +5050,7 @@
         </p:nvCxnSpPr>
         <p:spPr>
           <a:xfrm rot="10800000" flipV="1">
-            <a:off x="1503020" y="1944303"/>
+            <a:off x="971355" y="648903"/>
             <a:ext cx="589823" cy="341697"/>
           </a:xfrm>
           <a:prstGeom prst="bentConnector2">
@@ -5086,7 +5092,7 @@
         </p:nvCxnSpPr>
         <p:spPr>
           <a:xfrm rot="16200000" flipH="1">
-            <a:off x="2226110" y="3058040"/>
+            <a:off x="1694445" y="1762640"/>
             <a:ext cx="554704" cy="174673"/>
           </a:xfrm>
           <a:prstGeom prst="bentConnector2">
@@ -5127,7 +5133,7 @@
         </p:nvCxnSpPr>
         <p:spPr>
           <a:xfrm rot="5400000">
-            <a:off x="4205956" y="1766207"/>
+            <a:off x="3674291" y="470807"/>
             <a:ext cx="804221" cy="1843806"/>
           </a:xfrm>
           <a:prstGeom prst="bentConnector2">
@@ -5168,7 +5174,7 @@
         </p:nvCxnSpPr>
         <p:spPr>
           <a:xfrm rot="16200000" flipH="1">
-            <a:off x="3430123" y="3938021"/>
+            <a:off x="2898458" y="2642621"/>
             <a:ext cx="118421" cy="699979"/>
           </a:xfrm>
           <a:prstGeom prst="bentConnector2">
@@ -5209,7 +5215,7 @@
         </p:nvCxnSpPr>
         <p:spPr>
           <a:xfrm rot="5400000">
-            <a:off x="3695875" y="2276286"/>
+            <a:off x="3164210" y="980886"/>
             <a:ext cx="1824381" cy="1843808"/>
           </a:xfrm>
           <a:prstGeom prst="bentConnector2">
@@ -5247,7 +5253,7 @@
         </p:nvSpPr>
         <p:spPr>
           <a:xfrm>
-            <a:off x="5435896" y="2743200"/>
+            <a:off x="4904231" y="1447800"/>
             <a:ext cx="229325" cy="166560"/>
           </a:xfrm>
           <a:prstGeom prst="rect">
@@ -5300,7 +5306,7 @@
         </p:nvSpPr>
         <p:spPr>
           <a:xfrm>
-            <a:off x="3687515" y="2828802"/>
+            <a:off x="3155850" y="1533402"/>
             <a:ext cx="3048000" cy="203200"/>
           </a:xfrm>
           <a:custGeom>
@@ -5382,7 +5388,7 @@
         </p:nvSpPr>
         <p:spPr>
           <a:xfrm>
-            <a:off x="5431573" y="4488138"/>
+            <a:off x="4899908" y="3192738"/>
             <a:ext cx="229325" cy="160062"/>
           </a:xfrm>
           <a:prstGeom prst="rect">
@@ -5435,7 +5441,7 @@
         </p:nvSpPr>
         <p:spPr>
           <a:xfrm flipV="1">
-            <a:off x="4114799" y="4472708"/>
+            <a:off x="3583134" y="3177308"/>
             <a:ext cx="2642195" cy="101600"/>
           </a:xfrm>
           <a:custGeom>
@@ -5472,6 +5478,108 @@
                 <a:lnTo>
                   <a:pt x="3048000" y="0"/>
                 </a:lnTo>
+              </a:path>
+            </a:pathLst>
+          </a:custGeom>
+          <a:noFill/>
+          <a:ln w="19050">
+            <a:solidFill>
+              <a:schemeClr val="accent3"/>
+            </a:solidFill>
+            <a:prstDash val="sysDot"/>
+            <a:headEnd type="none" w="med" len="med"/>
+            <a:tailEnd type="arrow" w="med" len="med"/>
+          </a:ln>
+          <a:effectLst/>
+        </p:spPr>
+        <p:style>
+          <a:lnRef idx="1">
+            <a:schemeClr val="accent2"/>
+          </a:lnRef>
+          <a:fillRef idx="2">
+            <a:schemeClr val="accent2"/>
+          </a:fillRef>
+          <a:effectRef idx="1">
+            <a:schemeClr val="accent2"/>
+          </a:effectRef>
+          <a:fontRef idx="minor">
+            <a:schemeClr val="dk1"/>
+          </a:fontRef>
+        </p:style>
+        <p:txBody>
+          <a:bodyPr rtlCol="0" anchor="ctr"/>
+          <a:lstStyle/>
+          <a:p>
+            <a:pPr algn="ctr"/>
+            <a:endParaRPr lang="en-SG"/>
+          </a:p>
+        </p:txBody>
+      </p:sp>
+      <p:sp>
+        <p:nvSpPr>
+          <p:cNvPr id="48" name="Freeform 117">
+            <a:extLst>
+              <a:ext uri="{FF2B5EF4-FFF2-40B4-BE49-F238E27FC236}">
+                <a16:creationId xmlns:a16="http://schemas.microsoft.com/office/drawing/2014/main" id="{7C156FB9-565D-4B34-9B2A-B85653DB3FAD}"/>
+              </a:ext>
+            </a:extLst>
+          </p:cNvPr>
+          <p:cNvSpPr/>
+          <p:nvPr/>
+        </p:nvSpPr>
+        <p:spPr>
+          <a:xfrm flipV="1">
+            <a:off x="3154495" y="2547889"/>
+            <a:ext cx="3049355" cy="326931"/>
+          </a:xfrm>
+          <a:custGeom>
+            <a:avLst/>
+            <a:gdLst>
+              <a:gd name="connsiteX0" fmla="*/ 0 w 3048000"/>
+              <a:gd name="connsiteY0" fmla="*/ 203200 h 203200"/>
+              <a:gd name="connsiteX1" fmla="*/ 221673 w 3048000"/>
+              <a:gd name="connsiteY1" fmla="*/ 0 h 203200"/>
+              <a:gd name="connsiteX2" fmla="*/ 3048000 w 3048000"/>
+              <a:gd name="connsiteY2" fmla="*/ 0 h 203200"/>
+              <a:gd name="connsiteX0" fmla="*/ 0 w 3048000"/>
+              <a:gd name="connsiteY0" fmla="*/ 203200 h 203200"/>
+              <a:gd name="connsiteX1" fmla="*/ 1873527 w 3048000"/>
+              <a:gd name="connsiteY1" fmla="*/ 192525 h 203200"/>
+              <a:gd name="connsiteX2" fmla="*/ 3048000 w 3048000"/>
+              <a:gd name="connsiteY2" fmla="*/ 0 h 203200"/>
+              <a:gd name="connsiteX0" fmla="*/ 0 w 3048000"/>
+              <a:gd name="connsiteY0" fmla="*/ 203327 h 203327"/>
+              <a:gd name="connsiteX1" fmla="*/ 1873527 w 3048000"/>
+              <a:gd name="connsiteY1" fmla="*/ 192652 h 203327"/>
+              <a:gd name="connsiteX2" fmla="*/ 3048000 w 3048000"/>
+              <a:gd name="connsiteY2" fmla="*/ 127 h 203327"/>
+            </a:gdLst>
+            <a:ahLst/>
+            <a:cxnLst>
+              <a:cxn ang="0">
+                <a:pos x="connsiteX0" y="connsiteY0"/>
+              </a:cxn>
+              <a:cxn ang="0">
+                <a:pos x="connsiteX1" y="connsiteY1"/>
+              </a:cxn>
+              <a:cxn ang="0">
+                <a:pos x="connsiteX2" y="connsiteY2"/>
+              </a:cxn>
+            </a:cxnLst>
+            <a:rect l="l" t="t" r="r" b="b"/>
+            <a:pathLst>
+              <a:path w="3048000" h="203327">
+                <a:moveTo>
+                  <a:pt x="0" y="203327"/>
+                </a:moveTo>
+                <a:lnTo>
+                  <a:pt x="1873527" y="192652"/>
+                </a:lnTo>
+                <a:cubicBezTo>
+                  <a:pt x="2725189" y="-11720"/>
+                  <a:pt x="2105891" y="127"/>
+                  <a:pt x="3048000" y="127"/>
+                </a:cubicBezTo>
               </a:path>
             </a:pathLst>
           </a:custGeom>

--- a/docs/diagrams/UiComponentClassDiagram.pptx
+++ b/docs/diagrams/UiComponentClassDiagram.pptx
@@ -212,7 +212,7 @@
           <a:p>
             <a:fld id="{F5CC4B3F-88C1-4FFA-B1B6-F41C21DC6924}" type="datetimeFigureOut">
               <a:rPr lang="en-US" smtClean="0"/>
-              <a:t>10/18/2017</a:t>
+              <a:t>11/2/2017</a:t>
             </a:fld>
             <a:endParaRPr lang="en-US"/>
           </a:p>
@@ -658,7 +658,7 @@
           <a:p>
             <a:fld id="{78C97017-6FC3-485B-9764-EAC9E56C1D49}" type="datetimeFigureOut">
               <a:rPr lang="en-US" smtClean="0"/>
-              <a:t>10/18/2017</a:t>
+              <a:t>11/2/2017</a:t>
             </a:fld>
             <a:endParaRPr lang="en-US"/>
           </a:p>
@@ -826,7 +826,7 @@
           <a:p>
             <a:fld id="{78C97017-6FC3-485B-9764-EAC9E56C1D49}" type="datetimeFigureOut">
               <a:rPr lang="en-US" smtClean="0"/>
-              <a:t>10/18/2017</a:t>
+              <a:t>11/2/2017</a:t>
             </a:fld>
             <a:endParaRPr lang="en-US"/>
           </a:p>
@@ -1004,7 +1004,7 @@
           <a:p>
             <a:fld id="{78C97017-6FC3-485B-9764-EAC9E56C1D49}" type="datetimeFigureOut">
               <a:rPr lang="en-US" smtClean="0"/>
-              <a:t>10/18/2017</a:t>
+              <a:t>11/2/2017</a:t>
             </a:fld>
             <a:endParaRPr lang="en-US"/>
           </a:p>
@@ -1172,7 +1172,7 @@
           <a:p>
             <a:fld id="{78C97017-6FC3-485B-9764-EAC9E56C1D49}" type="datetimeFigureOut">
               <a:rPr lang="en-US" smtClean="0"/>
-              <a:t>10/18/2017</a:t>
+              <a:t>11/2/2017</a:t>
             </a:fld>
             <a:endParaRPr lang="en-US"/>
           </a:p>
@@ -1417,7 +1417,7 @@
           <a:p>
             <a:fld id="{78C97017-6FC3-485B-9764-EAC9E56C1D49}" type="datetimeFigureOut">
               <a:rPr lang="en-US" smtClean="0"/>
-              <a:t>10/18/2017</a:t>
+              <a:t>11/2/2017</a:t>
             </a:fld>
             <a:endParaRPr lang="en-US"/>
           </a:p>
@@ -1702,7 +1702,7 @@
           <a:p>
             <a:fld id="{78C97017-6FC3-485B-9764-EAC9E56C1D49}" type="datetimeFigureOut">
               <a:rPr lang="en-US" smtClean="0"/>
-              <a:t>10/18/2017</a:t>
+              <a:t>11/2/2017</a:t>
             </a:fld>
             <a:endParaRPr lang="en-US"/>
           </a:p>
@@ -2121,7 +2121,7 @@
           <a:p>
             <a:fld id="{78C97017-6FC3-485B-9764-EAC9E56C1D49}" type="datetimeFigureOut">
               <a:rPr lang="en-US" smtClean="0"/>
-              <a:t>10/18/2017</a:t>
+              <a:t>11/2/2017</a:t>
             </a:fld>
             <a:endParaRPr lang="en-US"/>
           </a:p>
@@ -2238,7 +2238,7 @@
           <a:p>
             <a:fld id="{78C97017-6FC3-485B-9764-EAC9E56C1D49}" type="datetimeFigureOut">
               <a:rPr lang="en-US" smtClean="0"/>
-              <a:t>10/18/2017</a:t>
+              <a:t>11/2/2017</a:t>
             </a:fld>
             <a:endParaRPr lang="en-US"/>
           </a:p>
@@ -2333,7 +2333,7 @@
           <a:p>
             <a:fld id="{78C97017-6FC3-485B-9764-EAC9E56C1D49}" type="datetimeFigureOut">
               <a:rPr lang="en-US" smtClean="0"/>
-              <a:t>10/18/2017</a:t>
+              <a:t>11/2/2017</a:t>
             </a:fld>
             <a:endParaRPr lang="en-US"/>
           </a:p>
@@ -2608,7 +2608,7 @@
           <a:p>
             <a:fld id="{78C97017-6FC3-485B-9764-EAC9E56C1D49}" type="datetimeFigureOut">
               <a:rPr lang="en-US" smtClean="0"/>
-              <a:t>10/18/2017</a:t>
+              <a:t>11/2/2017</a:t>
             </a:fld>
             <a:endParaRPr lang="en-US"/>
           </a:p>
@@ -2860,7 +2860,7 @@
           <a:p>
             <a:fld id="{78C97017-6FC3-485B-9764-EAC9E56C1D49}" type="datetimeFigureOut">
               <a:rPr lang="en-US" smtClean="0"/>
-              <a:t>10/18/2017</a:t>
+              <a:t>11/2/2017</a:t>
             </a:fld>
             <a:endParaRPr lang="en-US"/>
           </a:p>
@@ -3071,7 +3071,7 @@
           <a:p>
             <a:fld id="{78C97017-6FC3-485B-9764-EAC9E56C1D49}" type="datetimeFigureOut">
               <a:rPr lang="en-US" smtClean="0"/>
-              <a:t>10/18/2017</a:t>
+              <a:t>11/2/2017</a:t>
             </a:fld>
             <a:endParaRPr lang="en-US"/>
           </a:p>
@@ -3455,7 +3455,7 @@
         <p:spPr>
           <a:xfrm>
             <a:off x="685800" y="152400"/>
-            <a:ext cx="4917083" cy="3962400"/>
+            <a:ext cx="4917083" cy="4267200"/>
           </a:xfrm>
           <a:prstGeom prst="roundRect">
             <a:avLst>
@@ -3672,14 +3672,14 @@
           <a:p>
             <a:pPr algn="ctr"/>
             <a:r>
-              <a:rPr lang="en-US" sz="1050" dirty="0" err="1">
+              <a:rPr lang="en-US" sz="1050" b="1" dirty="0" err="1">
                 <a:solidFill>
                   <a:schemeClr val="bg1"/>
                 </a:solidFill>
               </a:rPr>
               <a:t>UiManager</a:t>
             </a:r>
-            <a:endParaRPr lang="en-SG" sz="1050" dirty="0">
+            <a:endParaRPr lang="en-SG" sz="1050" b="1" dirty="0">
               <a:solidFill>
                 <a:schemeClr val="bg1"/>
               </a:solidFill>
@@ -3831,17 +3831,14 @@
         </p:nvSpPr>
         <p:spPr>
           <a:xfrm rot="16200000">
-            <a:off x="5172164" y="1169477"/>
-            <a:ext cx="2362201" cy="328045"/>
+            <a:off x="5286464" y="1055175"/>
+            <a:ext cx="2133602" cy="328045"/>
           </a:xfrm>
           <a:prstGeom prst="roundRect">
             <a:avLst/>
           </a:prstGeom>
           <a:solidFill>
-            <a:schemeClr val="accent1">
-              <a:lumMod val="20000"/>
-              <a:lumOff val="80000"/>
-            </a:schemeClr>
+            <a:srgbClr val="0070C0"/>
           </a:solidFill>
           <a:ln w="19050">
             <a:noFill/>
@@ -3951,7 +3948,7 @@
         </p:nvSpPr>
         <p:spPr>
           <a:xfrm>
-            <a:off x="2060862" y="3268359"/>
+            <a:off x="2059135" y="3551875"/>
             <a:ext cx="1093635" cy="236841"/>
           </a:xfrm>
           <a:prstGeom prst="rect">
@@ -4011,7 +4008,7 @@
         </p:nvSpPr>
         <p:spPr>
           <a:xfrm>
-            <a:off x="2060861" y="2696560"/>
+            <a:off x="2059134" y="2980076"/>
             <a:ext cx="1093635" cy="236841"/>
           </a:xfrm>
           <a:prstGeom prst="rect">
@@ -4071,7 +4068,7 @@
         </p:nvSpPr>
         <p:spPr>
           <a:xfrm>
-            <a:off x="3307658" y="2933401"/>
+            <a:off x="3305931" y="3216917"/>
             <a:ext cx="1040906" cy="236841"/>
           </a:xfrm>
           <a:prstGeom prst="rect">
@@ -4131,7 +4128,7 @@
         </p:nvSpPr>
         <p:spPr>
           <a:xfrm>
-            <a:off x="2060863" y="3670600"/>
+            <a:off x="2059136" y="3954116"/>
             <a:ext cx="1093635" cy="236841"/>
           </a:xfrm>
           <a:prstGeom prst="rect">
@@ -4384,8 +4381,8 @@
         </p:nvCxnSpPr>
         <p:spPr>
           <a:xfrm rot="16200000" flipH="1">
-            <a:off x="1351483" y="2105603"/>
-            <a:ext cx="1242356" cy="176400"/>
+            <a:off x="1208861" y="2248224"/>
+            <a:ext cx="1525872" cy="174673"/>
           </a:xfrm>
           <a:prstGeom prst="bentConnector2">
             <a:avLst/>
@@ -4425,8 +4422,8 @@
         </p:nvCxnSpPr>
         <p:spPr>
           <a:xfrm rot="16200000" flipH="1">
-            <a:off x="1065584" y="2391501"/>
-            <a:ext cx="1814155" cy="176401"/>
+            <a:off x="922963" y="2534123"/>
+            <a:ext cx="2097671" cy="174674"/>
           </a:xfrm>
           <a:prstGeom prst="bentConnector2">
             <a:avLst/>
@@ -4459,14 +4456,15 @@
         <p:nvCxnSpPr>
           <p:cNvPr id="53" name="Elbow Connector 63"/>
           <p:cNvCxnSpPr>
+            <a:cxnSpLocks/>
             <a:endCxn id="38" idx="1"/>
           </p:cNvCxnSpPr>
           <p:nvPr/>
         </p:nvCxnSpPr>
         <p:spPr>
           <a:xfrm rot="16200000" flipH="1">
-            <a:off x="652454" y="2380612"/>
-            <a:ext cx="2396440" cy="420377"/>
+            <a:off x="509384" y="2522784"/>
+            <a:ext cx="2679955" cy="419549"/>
           </a:xfrm>
           <a:prstGeom prst="bentConnector2">
             <a:avLst/>
@@ -4626,8 +4624,8 @@
         </p:nvCxnSpPr>
         <p:spPr>
           <a:xfrm rot="5400000">
-            <a:off x="3642823" y="1696341"/>
-            <a:ext cx="2061222" cy="649740"/>
+            <a:off x="3500202" y="1837236"/>
+            <a:ext cx="2344738" cy="651467"/>
           </a:xfrm>
           <a:prstGeom prst="bentConnector2">
             <a:avLst/>
@@ -4660,14 +4658,13 @@
         <p:nvCxnSpPr>
           <p:cNvPr id="82" name="Elbow Connector 63"/>
           <p:cNvCxnSpPr>
-            <a:stCxn id="16" idx="3"/>
-            <a:endCxn id="34" idx="3"/>
+            <a:cxnSpLocks/>
           </p:cNvCxnSpPr>
           <p:nvPr/>
         </p:nvCxnSpPr>
         <p:spPr>
           <a:xfrm rot="5400000">
-            <a:off x="3335511" y="809587"/>
+            <a:off x="3335511" y="766720"/>
             <a:ext cx="1481780" cy="1843806"/>
           </a:xfrm>
           <a:prstGeom prst="bentConnector2">
@@ -4749,8 +4746,8 @@
         </p:nvCxnSpPr>
         <p:spPr>
           <a:xfrm rot="5400000">
-            <a:off x="2878311" y="1266787"/>
-            <a:ext cx="2396180" cy="1843807"/>
+            <a:off x="2735689" y="1407681"/>
+            <a:ext cx="2679696" cy="1845534"/>
           </a:xfrm>
           <a:prstGeom prst="bentConnector2">
             <a:avLst/>
@@ -4790,8 +4787,8 @@
         </p:nvCxnSpPr>
         <p:spPr>
           <a:xfrm rot="5400000">
-            <a:off x="2677191" y="1467907"/>
-            <a:ext cx="2798421" cy="1843806"/>
+            <a:off x="2534570" y="1608802"/>
+            <a:ext cx="3081937" cy="1845533"/>
           </a:xfrm>
           <a:prstGeom prst="bentConnector2">
             <a:avLst/>
@@ -4869,16 +4866,15 @@
         </p:nvSpPr>
         <p:spPr>
           <a:xfrm rot="16200000">
-            <a:off x="5682074" y="3264976"/>
-            <a:ext cx="1371599" cy="328045"/>
+            <a:off x="5467710" y="3070355"/>
+            <a:ext cx="1760838" cy="328045"/>
           </a:xfrm>
           <a:prstGeom prst="roundRect">
             <a:avLst/>
           </a:prstGeom>
           <a:solidFill>
             <a:schemeClr val="accent4">
-              <a:lumMod val="20000"/>
-              <a:lumOff val="80000"/>
+              <a:lumMod val="75000"/>
             </a:schemeClr>
           </a:solidFill>
           <a:ln w="19050">
@@ -5174,7 +5170,7 @@
         </p:nvCxnSpPr>
         <p:spPr>
           <a:xfrm rot="16200000" flipH="1">
-            <a:off x="2898458" y="2642621"/>
+            <a:off x="2896731" y="2926137"/>
             <a:ext cx="118421" cy="699979"/>
           </a:xfrm>
           <a:prstGeom prst="bentConnector2">
@@ -5215,8 +5211,8 @@
         </p:nvCxnSpPr>
         <p:spPr>
           <a:xfrm rot="5400000">
-            <a:off x="3164210" y="980886"/>
-            <a:ext cx="1824381" cy="1843808"/>
+            <a:off x="3021589" y="1121781"/>
+            <a:ext cx="2107897" cy="1845535"/>
           </a:xfrm>
           <a:prstGeom prst="bentConnector2">
             <a:avLst/>
@@ -5388,7 +5384,7 @@
         </p:nvSpPr>
         <p:spPr>
           <a:xfrm>
-            <a:off x="4899908" y="3192738"/>
+            <a:off x="4898181" y="3476254"/>
             <a:ext cx="229325" cy="160062"/>
           </a:xfrm>
           <a:prstGeom prst="rect">
@@ -5441,8 +5437,8 @@
         </p:nvSpPr>
         <p:spPr>
           <a:xfrm flipV="1">
-            <a:off x="3583134" y="3177308"/>
-            <a:ext cx="2642195" cy="101600"/>
+            <a:off x="3561656" y="3462339"/>
+            <a:ext cx="2613958" cy="89536"/>
           </a:xfrm>
           <a:custGeom>
             <a:avLst/>
@@ -5529,8 +5525,8 @@
         </p:nvSpPr>
         <p:spPr>
           <a:xfrm flipV="1">
-            <a:off x="3154495" y="2547889"/>
-            <a:ext cx="3049355" cy="326931"/>
+            <a:off x="3154495" y="2531844"/>
+            <a:ext cx="3021118" cy="9114"/>
           </a:xfrm>
           <a:custGeom>
             <a:avLst/>
@@ -5553,6 +5549,268 @@
               <a:gd name="connsiteY1" fmla="*/ 192652 h 203327"/>
               <a:gd name="connsiteX2" fmla="*/ 3048000 w 3048000"/>
               <a:gd name="connsiteY2" fmla="*/ 127 h 203327"/>
+              <a:gd name="connsiteX0" fmla="*/ 0 w 3054348"/>
+              <a:gd name="connsiteY0" fmla="*/ 100189 h 100189"/>
+              <a:gd name="connsiteX1" fmla="*/ 1873527 w 3054348"/>
+              <a:gd name="connsiteY1" fmla="*/ 89514 h 100189"/>
+              <a:gd name="connsiteX2" fmla="*/ 3054348 w 3054348"/>
+              <a:gd name="connsiteY2" fmla="*/ 94674 h 100189"/>
+              <a:gd name="connsiteX0" fmla="*/ 0 w 3054348"/>
+              <a:gd name="connsiteY0" fmla="*/ 100189 h 100189"/>
+              <a:gd name="connsiteX1" fmla="*/ 1733874 w 3054348"/>
+              <a:gd name="connsiteY1" fmla="*/ 89515 h 100189"/>
+              <a:gd name="connsiteX2" fmla="*/ 3054348 w 3054348"/>
+              <a:gd name="connsiteY2" fmla="*/ 94674 h 100189"/>
+              <a:gd name="connsiteX0" fmla="*/ 0 w 3054348"/>
+              <a:gd name="connsiteY0" fmla="*/ 37473 h 37473"/>
+              <a:gd name="connsiteX1" fmla="*/ 1733874 w 3054348"/>
+              <a:gd name="connsiteY1" fmla="*/ 26799 h 37473"/>
+              <a:gd name="connsiteX2" fmla="*/ 3054348 w 3054348"/>
+              <a:gd name="connsiteY2" fmla="*/ 31958 h 37473"/>
+              <a:gd name="connsiteX0" fmla="*/ 0 w 3054348"/>
+              <a:gd name="connsiteY0" fmla="*/ 37473 h 37473"/>
+              <a:gd name="connsiteX1" fmla="*/ 1733874 w 3054348"/>
+              <a:gd name="connsiteY1" fmla="*/ 26799 h 37473"/>
+              <a:gd name="connsiteX2" fmla="*/ 3054348 w 3054348"/>
+              <a:gd name="connsiteY2" fmla="*/ 31958 h 37473"/>
+              <a:gd name="connsiteX0" fmla="*/ 0 w 3054348"/>
+              <a:gd name="connsiteY0" fmla="*/ 11932 h 20884"/>
+              <a:gd name="connsiteX1" fmla="*/ 1733874 w 3054348"/>
+              <a:gd name="connsiteY1" fmla="*/ 1258 h 20884"/>
+              <a:gd name="connsiteX2" fmla="*/ 2319035 w 3054348"/>
+              <a:gd name="connsiteY2" fmla="*/ 20859 h 20884"/>
+              <a:gd name="connsiteX3" fmla="*/ 3054348 w 3054348"/>
+              <a:gd name="connsiteY3" fmla="*/ 6417 h 20884"/>
+              <a:gd name="connsiteX0" fmla="*/ 0 w 3054348"/>
+              <a:gd name="connsiteY0" fmla="*/ 14454 h 14454"/>
+              <a:gd name="connsiteX1" fmla="*/ 1733874 w 3054348"/>
+              <a:gd name="connsiteY1" fmla="*/ 3780 h 14454"/>
+              <a:gd name="connsiteX2" fmla="*/ 2319035 w 3054348"/>
+              <a:gd name="connsiteY2" fmla="*/ 2562 h 14454"/>
+              <a:gd name="connsiteX3" fmla="*/ 3054348 w 3054348"/>
+              <a:gd name="connsiteY3" fmla="*/ 8939 h 14454"/>
+              <a:gd name="connsiteX0" fmla="*/ 0 w 3054348"/>
+              <a:gd name="connsiteY0" fmla="*/ 13104 h 13104"/>
+              <a:gd name="connsiteX1" fmla="*/ 1733874 w 3054348"/>
+              <a:gd name="connsiteY1" fmla="*/ 2430 h 13104"/>
+              <a:gd name="connsiteX2" fmla="*/ 2319035 w 3054348"/>
+              <a:gd name="connsiteY2" fmla="*/ 7067 h 13104"/>
+              <a:gd name="connsiteX3" fmla="*/ 3054348 w 3054348"/>
+              <a:gd name="connsiteY3" fmla="*/ 7589 h 13104"/>
+              <a:gd name="connsiteX0" fmla="*/ 0 w 3054348"/>
+              <a:gd name="connsiteY0" fmla="*/ 7470 h 7470"/>
+              <a:gd name="connsiteX1" fmla="*/ 1733874 w 3054348"/>
+              <a:gd name="connsiteY1" fmla="*/ 4603 h 7470"/>
+              <a:gd name="connsiteX2" fmla="*/ 2319035 w 3054348"/>
+              <a:gd name="connsiteY2" fmla="*/ 1433 h 7470"/>
+              <a:gd name="connsiteX3" fmla="*/ 3054348 w 3054348"/>
+              <a:gd name="connsiteY3" fmla="*/ 1955 h 7470"/>
+            </a:gdLst>
+            <a:ahLst/>
+            <a:cxnLst>
+              <a:cxn ang="0">
+                <a:pos x="connsiteX0" y="connsiteY0"/>
+              </a:cxn>
+              <a:cxn ang="0">
+                <a:pos x="connsiteX1" y="connsiteY1"/>
+              </a:cxn>
+              <a:cxn ang="0">
+                <a:pos x="connsiteX2" y="connsiteY2"/>
+              </a:cxn>
+              <a:cxn ang="0">
+                <a:pos x="connsiteX3" y="connsiteY3"/>
+              </a:cxn>
+            </a:cxnLst>
+            <a:rect l="l" t="t" r="r" b="b"/>
+            <a:pathLst>
+              <a:path w="3054348" h="7470">
+                <a:moveTo>
+                  <a:pt x="0" y="7470"/>
+                </a:moveTo>
+                <a:lnTo>
+                  <a:pt x="1733874" y="4603"/>
+                </a:lnTo>
+                <a:cubicBezTo>
+                  <a:pt x="2117170" y="-2583"/>
+                  <a:pt x="2098956" y="573"/>
+                  <a:pt x="2319035" y="1433"/>
+                </a:cubicBezTo>
+                <a:lnTo>
+                  <a:pt x="3054348" y="1955"/>
+                </a:lnTo>
+              </a:path>
+            </a:pathLst>
+          </a:custGeom>
+          <a:noFill/>
+          <a:ln w="19050">
+            <a:solidFill>
+              <a:schemeClr val="accent3"/>
+            </a:solidFill>
+            <a:prstDash val="sysDot"/>
+            <a:headEnd type="none" w="med" len="med"/>
+            <a:tailEnd type="arrow" w="med" len="med"/>
+          </a:ln>
+          <a:effectLst/>
+        </p:spPr>
+        <p:style>
+          <a:lnRef idx="1">
+            <a:schemeClr val="accent2"/>
+          </a:lnRef>
+          <a:fillRef idx="2">
+            <a:schemeClr val="accent2"/>
+          </a:fillRef>
+          <a:effectRef idx="1">
+            <a:schemeClr val="accent2"/>
+          </a:effectRef>
+          <a:fontRef idx="minor">
+            <a:schemeClr val="dk1"/>
+          </a:fontRef>
+        </p:style>
+        <p:txBody>
+          <a:bodyPr rtlCol="0" anchor="ctr"/>
+          <a:lstStyle/>
+          <a:p>
+            <a:pPr algn="ctr"/>
+            <a:endParaRPr lang="en-SG"/>
+          </a:p>
+        </p:txBody>
+      </p:sp>
+      <p:cxnSp>
+        <p:nvCxnSpPr>
+          <p:cNvPr id="55" name="Elbow Connector 136">
+            <a:extLst>
+              <a:ext uri="{FF2B5EF4-FFF2-40B4-BE49-F238E27FC236}">
+                <a16:creationId xmlns:a16="http://schemas.microsoft.com/office/drawing/2014/main" id="{68CC4FA5-8E4B-4F98-BEAF-01E1D70FD7FD}"/>
+              </a:ext>
+            </a:extLst>
+          </p:cNvPr>
+          <p:cNvCxnSpPr/>
+          <p:nvPr/>
+        </p:nvCxnSpPr>
+        <p:spPr>
+          <a:xfrm rot="16200000" flipH="1">
+            <a:off x="2877859" y="2301642"/>
+            <a:ext cx="118421" cy="699979"/>
+          </a:xfrm>
+          <a:prstGeom prst="bentConnector2">
+            <a:avLst/>
+          </a:prstGeom>
+          <a:ln w="19050">
+            <a:solidFill>
+              <a:schemeClr val="accent3"/>
+            </a:solidFill>
+            <a:headEnd type="none" w="med" len="med"/>
+            <a:tailEnd type="arrow" w="med" len="med"/>
+          </a:ln>
+          <a:effectLst/>
+        </p:spPr>
+        <p:style>
+          <a:lnRef idx="1">
+            <a:schemeClr val="accent2"/>
+          </a:lnRef>
+          <a:fillRef idx="2">
+            <a:schemeClr val="accent2"/>
+          </a:fillRef>
+          <a:effectRef idx="1">
+            <a:schemeClr val="accent2"/>
+          </a:effectRef>
+          <a:fontRef idx="minor">
+            <a:schemeClr val="dk1"/>
+          </a:fontRef>
+        </p:style>
+      </p:cxnSp>
+      <p:sp>
+        <p:nvSpPr>
+          <p:cNvPr id="56" name="Rectangle 11">
+            <a:extLst>
+              <a:ext uri="{FF2B5EF4-FFF2-40B4-BE49-F238E27FC236}">
+                <a16:creationId xmlns:a16="http://schemas.microsoft.com/office/drawing/2014/main" id="{BDBD8060-260C-4E91-9EA1-B1187A688DDD}"/>
+              </a:ext>
+            </a:extLst>
+          </p:cNvPr>
+          <p:cNvSpPr/>
+          <p:nvPr/>
+        </p:nvSpPr>
+        <p:spPr>
+          <a:xfrm>
+            <a:off x="3279566" y="2601002"/>
+            <a:ext cx="1040906" cy="236841"/>
+          </a:xfrm>
+          <a:prstGeom prst="rect">
+            <a:avLst/>
+          </a:prstGeom>
+          <a:ln w="19050">
+            <a:solidFill>
+              <a:schemeClr val="accent3"/>
+            </a:solidFill>
+          </a:ln>
+          <a:effectLst/>
+        </p:spPr>
+        <p:style>
+          <a:lnRef idx="1">
+            <a:schemeClr val="accent3"/>
+          </a:lnRef>
+          <a:fillRef idx="2">
+            <a:schemeClr val="accent3"/>
+          </a:fillRef>
+          <a:effectRef idx="1">
+            <a:schemeClr val="accent3"/>
+          </a:effectRef>
+          <a:fontRef idx="minor">
+            <a:schemeClr val="dk1"/>
+          </a:fontRef>
+        </p:style>
+        <p:txBody>
+          <a:bodyPr rtlCol="0" anchor="ctr"/>
+          <a:lstStyle/>
+          <a:p>
+            <a:pPr algn="ctr"/>
+            <a:r>
+              <a:rPr lang="en-US" sz="1050" b="1" dirty="0" err="1">
+                <a:solidFill>
+                  <a:schemeClr val="accent3">
+                    <a:lumMod val="75000"/>
+                  </a:schemeClr>
+                </a:solidFill>
+              </a:rPr>
+              <a:t>AvatarWindow</a:t>
+            </a:r>
+            <a:endParaRPr lang="en-SG" sz="1050" b="1" dirty="0">
+              <a:solidFill>
+                <a:schemeClr val="accent3">
+                  <a:lumMod val="75000"/>
+                </a:schemeClr>
+              </a:solidFill>
+            </a:endParaRPr>
+          </a:p>
+        </p:txBody>
+      </p:sp>
+      <p:sp>
+        <p:nvSpPr>
+          <p:cNvPr id="57" name="Freeform 117">
+            <a:extLst>
+              <a:ext uri="{FF2B5EF4-FFF2-40B4-BE49-F238E27FC236}">
+                <a16:creationId xmlns:a16="http://schemas.microsoft.com/office/drawing/2014/main" id="{A0BB2BCC-8080-49D6-8EFA-9B2457D010DC}"/>
+              </a:ext>
+            </a:extLst>
+          </p:cNvPr>
+          <p:cNvSpPr/>
+          <p:nvPr/>
+        </p:nvSpPr>
+        <p:spPr>
+          <a:xfrm flipV="1">
+            <a:off x="3561318" y="2852699"/>
+            <a:ext cx="2607255" cy="103564"/>
+          </a:xfrm>
+          <a:custGeom>
+            <a:avLst/>
+            <a:gdLst>
+              <a:gd name="connsiteX0" fmla="*/ 0 w 3048000"/>
+              <a:gd name="connsiteY0" fmla="*/ 203200 h 203200"/>
+              <a:gd name="connsiteX1" fmla="*/ 221673 w 3048000"/>
+              <a:gd name="connsiteY1" fmla="*/ 0 h 203200"/>
+              <a:gd name="connsiteX2" fmla="*/ 3048000 w 3048000"/>
+              <a:gd name="connsiteY2" fmla="*/ 0 h 203200"/>
             </a:gdLst>
             <a:ahLst/>
             <a:cxnLst>
@@ -5568,18 +5826,16 @@
             </a:cxnLst>
             <a:rect l="l" t="t" r="r" b="b"/>
             <a:pathLst>
-              <a:path w="3048000" h="203327">
+              <a:path w="3048000" h="203200">
                 <a:moveTo>
-                  <a:pt x="0" y="203327"/>
+                  <a:pt x="0" y="203200"/>
                 </a:moveTo>
                 <a:lnTo>
-                  <a:pt x="1873527" y="192652"/>
+                  <a:pt x="221673" y="0"/>
                 </a:lnTo>
-                <a:cubicBezTo>
-                  <a:pt x="2725189" y="-11720"/>
-                  <a:pt x="2105891" y="127"/>
-                  <a:pt x="3048000" y="127"/>
-                </a:cubicBezTo>
+                <a:lnTo>
+                  <a:pt x="3048000" y="0"/>
+                </a:lnTo>
               </a:path>
             </a:pathLst>
           </a:custGeom>
@@ -5589,6 +5845,215 @@
               <a:schemeClr val="accent3"/>
             </a:solidFill>
             <a:prstDash val="sysDot"/>
+            <a:headEnd type="none" w="med" len="med"/>
+            <a:tailEnd type="arrow" w="med" len="med"/>
+          </a:ln>
+          <a:effectLst/>
+        </p:spPr>
+        <p:style>
+          <a:lnRef idx="1">
+            <a:schemeClr val="accent2"/>
+          </a:lnRef>
+          <a:fillRef idx="2">
+            <a:schemeClr val="accent2"/>
+          </a:fillRef>
+          <a:effectRef idx="1">
+            <a:schemeClr val="accent2"/>
+          </a:effectRef>
+          <a:fontRef idx="minor">
+            <a:schemeClr val="dk1"/>
+          </a:fontRef>
+        </p:style>
+        <p:txBody>
+          <a:bodyPr rtlCol="0" anchor="ctr"/>
+          <a:lstStyle/>
+          <a:p>
+            <a:pPr algn="ctr"/>
+            <a:endParaRPr lang="en-SG"/>
+          </a:p>
+        </p:txBody>
+      </p:sp>
+      <p:sp>
+        <p:nvSpPr>
+          <p:cNvPr id="61" name="Rectangle 60">
+            <a:extLst>
+              <a:ext uri="{FF2B5EF4-FFF2-40B4-BE49-F238E27FC236}">
+                <a16:creationId xmlns:a16="http://schemas.microsoft.com/office/drawing/2014/main" id="{9EF7117B-1F9C-4E58-863D-8D4697EE84F3}"/>
+              </a:ext>
+            </a:extLst>
+          </p:cNvPr>
+          <p:cNvSpPr/>
+          <p:nvPr/>
+        </p:nvSpPr>
+        <p:spPr>
+          <a:xfrm>
+            <a:off x="4876666" y="2591477"/>
+            <a:ext cx="229325" cy="166560"/>
+          </a:xfrm>
+          <a:prstGeom prst="rect">
+            <a:avLst/>
+          </a:prstGeom>
+          <a:solidFill>
+            <a:schemeClr val="accent3">
+              <a:lumMod val="20000"/>
+              <a:lumOff val="80000"/>
+              <a:alpha val="80000"/>
+            </a:schemeClr>
+          </a:solidFill>
+          <a:ln>
+            <a:noFill/>
+          </a:ln>
+          <a:effectLst>
+            <a:softEdge rad="31750"/>
+          </a:effectLst>
+        </p:spPr>
+        <p:style>
+          <a:lnRef idx="2">
+            <a:schemeClr val="accent1">
+              <a:shade val="50000"/>
+            </a:schemeClr>
+          </a:lnRef>
+          <a:fillRef idx="1">
+            <a:schemeClr val="accent1"/>
+          </a:fillRef>
+          <a:effectRef idx="0">
+            <a:schemeClr val="accent1"/>
+          </a:effectRef>
+          <a:fontRef idx="minor">
+            <a:schemeClr val="lt1"/>
+          </a:fontRef>
+        </p:style>
+        <p:txBody>
+          <a:bodyPr rtlCol="0" anchor="ctr"/>
+          <a:lstStyle/>
+          <a:p>
+            <a:pPr algn="ctr"/>
+            <a:endParaRPr lang="en-SG"/>
+          </a:p>
+        </p:txBody>
+      </p:sp>
+      <p:sp>
+        <p:nvSpPr>
+          <p:cNvPr id="60" name="Freeform 115">
+            <a:extLst>
+              <a:ext uri="{FF2B5EF4-FFF2-40B4-BE49-F238E27FC236}">
+                <a16:creationId xmlns:a16="http://schemas.microsoft.com/office/drawing/2014/main" id="{D32425F1-EF78-4778-9ADA-9F6FF7D2871E}"/>
+              </a:ext>
+            </a:extLst>
+          </p:cNvPr>
+          <p:cNvSpPr/>
+          <p:nvPr/>
+        </p:nvSpPr>
+        <p:spPr>
+          <a:xfrm>
+            <a:off x="4323757" y="1978202"/>
+            <a:ext cx="1860348" cy="756879"/>
+          </a:xfrm>
+          <a:custGeom>
+            <a:avLst/>
+            <a:gdLst>
+              <a:gd name="connsiteX0" fmla="*/ 0 w 3048000"/>
+              <a:gd name="connsiteY0" fmla="*/ 203200 h 203200"/>
+              <a:gd name="connsiteX1" fmla="*/ 221673 w 3048000"/>
+              <a:gd name="connsiteY1" fmla="*/ 0 h 203200"/>
+              <a:gd name="connsiteX2" fmla="*/ 3048000 w 3048000"/>
+              <a:gd name="connsiteY2" fmla="*/ 0 h 203200"/>
+              <a:gd name="connsiteX0" fmla="*/ 0 w 3048000"/>
+              <a:gd name="connsiteY0" fmla="*/ 203200 h 203200"/>
+              <a:gd name="connsiteX1" fmla="*/ 1772230 w 3048000"/>
+              <a:gd name="connsiteY1" fmla="*/ 176819 h 203200"/>
+              <a:gd name="connsiteX2" fmla="*/ 221673 w 3048000"/>
+              <a:gd name="connsiteY2" fmla="*/ 0 h 203200"/>
+              <a:gd name="connsiteX3" fmla="*/ 3048000 w 3048000"/>
+              <a:gd name="connsiteY3" fmla="*/ 0 h 203200"/>
+              <a:gd name="connsiteX0" fmla="*/ 0 w 3048000"/>
+              <a:gd name="connsiteY0" fmla="*/ 203200 h 203200"/>
+              <a:gd name="connsiteX1" fmla="*/ 1772230 w 3048000"/>
+              <a:gd name="connsiteY1" fmla="*/ 176819 h 203200"/>
+              <a:gd name="connsiteX2" fmla="*/ 1758844 w 3048000"/>
+              <a:gd name="connsiteY2" fmla="*/ 2569 h 203200"/>
+              <a:gd name="connsiteX3" fmla="*/ 3048000 w 3048000"/>
+              <a:gd name="connsiteY3" fmla="*/ 0 h 203200"/>
+              <a:gd name="connsiteX0" fmla="*/ 0 w 3048000"/>
+              <a:gd name="connsiteY0" fmla="*/ 203200 h 203200"/>
+              <a:gd name="connsiteX1" fmla="*/ 1226027 w 3048000"/>
+              <a:gd name="connsiteY1" fmla="*/ 200587 h 203200"/>
+              <a:gd name="connsiteX2" fmla="*/ 1772230 w 3048000"/>
+              <a:gd name="connsiteY2" fmla="*/ 176819 h 203200"/>
+              <a:gd name="connsiteX3" fmla="*/ 1758844 w 3048000"/>
+              <a:gd name="connsiteY3" fmla="*/ 2569 h 203200"/>
+              <a:gd name="connsiteX4" fmla="*/ 3048000 w 3048000"/>
+              <a:gd name="connsiteY4" fmla="*/ 0 h 203200"/>
+              <a:gd name="connsiteX0" fmla="*/ 0 w 3048000"/>
+              <a:gd name="connsiteY0" fmla="*/ 203200 h 204178"/>
+              <a:gd name="connsiteX1" fmla="*/ 1280648 w 3048000"/>
+              <a:gd name="connsiteY1" fmla="*/ 202514 h 204178"/>
+              <a:gd name="connsiteX2" fmla="*/ 1772230 w 3048000"/>
+              <a:gd name="connsiteY2" fmla="*/ 176819 h 204178"/>
+              <a:gd name="connsiteX3" fmla="*/ 1758844 w 3048000"/>
+              <a:gd name="connsiteY3" fmla="*/ 2569 h 204178"/>
+              <a:gd name="connsiteX4" fmla="*/ 3048000 w 3048000"/>
+              <a:gd name="connsiteY4" fmla="*/ 0 h 204178"/>
+              <a:gd name="connsiteX0" fmla="*/ 0 w 3048000"/>
+              <a:gd name="connsiteY0" fmla="*/ 203200 h 204178"/>
+              <a:gd name="connsiteX1" fmla="*/ 1280648 w 3048000"/>
+              <a:gd name="connsiteY1" fmla="*/ 202514 h 204178"/>
+              <a:gd name="connsiteX2" fmla="*/ 1772230 w 3048000"/>
+              <a:gd name="connsiteY2" fmla="*/ 176819 h 204178"/>
+              <a:gd name="connsiteX3" fmla="*/ 1758844 w 3048000"/>
+              <a:gd name="connsiteY3" fmla="*/ 2569 h 204178"/>
+              <a:gd name="connsiteX4" fmla="*/ 3048000 w 3048000"/>
+              <a:gd name="connsiteY4" fmla="*/ 0 h 204178"/>
+            </a:gdLst>
+            <a:ahLst/>
+            <a:cxnLst>
+              <a:cxn ang="0">
+                <a:pos x="connsiteX0" y="connsiteY0"/>
+              </a:cxn>
+              <a:cxn ang="0">
+                <a:pos x="connsiteX1" y="connsiteY1"/>
+              </a:cxn>
+              <a:cxn ang="0">
+                <a:pos x="connsiteX2" y="connsiteY2"/>
+              </a:cxn>
+              <a:cxn ang="0">
+                <a:pos x="connsiteX3" y="connsiteY3"/>
+              </a:cxn>
+              <a:cxn ang="0">
+                <a:pos x="connsiteX4" y="connsiteY4"/>
+              </a:cxn>
+            </a:cxnLst>
+            <a:rect l="l" t="t" r="r" b="b"/>
+            <a:pathLst>
+              <a:path w="3048000" h="204178">
+                <a:moveTo>
+                  <a:pt x="0" y="203200"/>
+                </a:moveTo>
+                <a:cubicBezTo>
+                  <a:pt x="73639" y="200945"/>
+                  <a:pt x="985276" y="206911"/>
+                  <a:pt x="1280648" y="202514"/>
+                </a:cubicBezTo>
+                <a:cubicBezTo>
+                  <a:pt x="1591625" y="202614"/>
+                  <a:pt x="1552729" y="208002"/>
+                  <a:pt x="1772230" y="176819"/>
+                </a:cubicBezTo>
+                <a:lnTo>
+                  <a:pt x="1758844" y="2569"/>
+                </a:lnTo>
+                <a:lnTo>
+                  <a:pt x="3048000" y="0"/>
+                </a:lnTo>
+              </a:path>
+            </a:pathLst>
+          </a:custGeom>
+          <a:noFill/>
+          <a:ln w="19050">
+            <a:solidFill>
+              <a:schemeClr val="accent3"/>
+            </a:solidFill>
+            <a:prstDash val="solid"/>
             <a:headEnd type="none" w="med" len="med"/>
             <a:tailEnd type="arrow" w="med" len="med"/>
           </a:ln>

--- a/docs/diagrams/UiComponentClassDiagram.pptx
+++ b/docs/diagrams/UiComponentClassDiagram.pptx
@@ -3672,7 +3672,7 @@
           <a:p>
             <a:pPr algn="ctr"/>
             <a:r>
-              <a:rPr lang="en-US" sz="1050" b="1" dirty="0" err="1">
+              <a:rPr lang="en-US" sz="1050" b="1" dirty="0">
                 <a:solidFill>
                   <a:schemeClr val="bg1"/>
                 </a:solidFill>
@@ -4553,7 +4553,7 @@
               </a:rPr>
             </a:br>
             <a:r>
-              <a:rPr lang="en-US" sz="1050" b="1" dirty="0" err="1">
+              <a:rPr lang="en-US" sz="1050" b="1" dirty="0">
                 <a:solidFill>
                   <a:schemeClr val="accent3">
                     <a:lumMod val="75000"/>
@@ -5500,6 +5500,65 @@
           </a:effectRef>
           <a:fontRef idx="minor">
             <a:schemeClr val="dk1"/>
+          </a:fontRef>
+        </p:style>
+        <p:txBody>
+          <a:bodyPr rtlCol="0" anchor="ctr"/>
+          <a:lstStyle/>
+          <a:p>
+            <a:pPr algn="ctr"/>
+            <a:endParaRPr lang="en-SG"/>
+          </a:p>
+        </p:txBody>
+      </p:sp>
+      <p:sp>
+        <p:nvSpPr>
+          <p:cNvPr id="63" name="Rectangle 62">
+            <a:extLst>
+              <a:ext uri="{FF2B5EF4-FFF2-40B4-BE49-F238E27FC236}">
+                <a16:creationId xmlns:a16="http://schemas.microsoft.com/office/drawing/2014/main" id="{D5576D5C-5528-4D4C-9B79-0AD68A3471C1}"/>
+              </a:ext>
+            </a:extLst>
+          </p:cNvPr>
+          <p:cNvSpPr/>
+          <p:nvPr/>
+        </p:nvSpPr>
+        <p:spPr>
+          <a:xfrm>
+            <a:off x="4890753" y="2463132"/>
+            <a:ext cx="229325" cy="160062"/>
+          </a:xfrm>
+          <a:prstGeom prst="rect">
+            <a:avLst/>
+          </a:prstGeom>
+          <a:solidFill>
+            <a:schemeClr val="accent3">
+              <a:lumMod val="20000"/>
+              <a:lumOff val="80000"/>
+              <a:alpha val="80000"/>
+            </a:schemeClr>
+          </a:solidFill>
+          <a:ln>
+            <a:noFill/>
+          </a:ln>
+          <a:effectLst>
+            <a:softEdge rad="31750"/>
+          </a:effectLst>
+        </p:spPr>
+        <p:style>
+          <a:lnRef idx="2">
+            <a:schemeClr val="accent1">
+              <a:shade val="50000"/>
+            </a:schemeClr>
+          </a:lnRef>
+          <a:fillRef idx="1">
+            <a:schemeClr val="accent1"/>
+          </a:fillRef>
+          <a:effectRef idx="0">
+            <a:schemeClr val="accent1"/>
+          </a:effectRef>
+          <a:fontRef idx="minor">
+            <a:schemeClr val="lt1"/>
           </a:fontRef>
         </p:style>
         <p:txBody>
@@ -5766,7 +5825,7 @@
           <a:p>
             <a:pPr algn="ctr"/>
             <a:r>
-              <a:rPr lang="en-US" sz="1050" b="1" dirty="0" err="1">
+              <a:rPr lang="en-US" sz="1050" b="1" dirty="0">
                 <a:solidFill>
                   <a:schemeClr val="accent3">
                     <a:lumMod val="75000"/>
@@ -5782,6 +5841,65 @@
                 </a:schemeClr>
               </a:solidFill>
             </a:endParaRPr>
+          </a:p>
+        </p:txBody>
+      </p:sp>
+      <p:sp>
+        <p:nvSpPr>
+          <p:cNvPr id="62" name="Rectangle 61">
+            <a:extLst>
+              <a:ext uri="{FF2B5EF4-FFF2-40B4-BE49-F238E27FC236}">
+                <a16:creationId xmlns:a16="http://schemas.microsoft.com/office/drawing/2014/main" id="{14537983-2264-4BCE-A06E-B41357C623E7}"/>
+              </a:ext>
+            </a:extLst>
+          </p:cNvPr>
+          <p:cNvSpPr/>
+          <p:nvPr/>
+        </p:nvSpPr>
+        <p:spPr>
+          <a:xfrm>
+            <a:off x="4886356" y="2876232"/>
+            <a:ext cx="229325" cy="160062"/>
+          </a:xfrm>
+          <a:prstGeom prst="rect">
+            <a:avLst/>
+          </a:prstGeom>
+          <a:solidFill>
+            <a:schemeClr val="accent3">
+              <a:lumMod val="20000"/>
+              <a:lumOff val="80000"/>
+              <a:alpha val="80000"/>
+            </a:schemeClr>
+          </a:solidFill>
+          <a:ln>
+            <a:noFill/>
+          </a:ln>
+          <a:effectLst>
+            <a:softEdge rad="31750"/>
+          </a:effectLst>
+        </p:spPr>
+        <p:style>
+          <a:lnRef idx="2">
+            <a:schemeClr val="accent1">
+              <a:shade val="50000"/>
+            </a:schemeClr>
+          </a:lnRef>
+          <a:fillRef idx="1">
+            <a:schemeClr val="accent1"/>
+          </a:fillRef>
+          <a:effectRef idx="0">
+            <a:schemeClr val="accent1"/>
+          </a:effectRef>
+          <a:fontRef idx="minor">
+            <a:schemeClr val="lt1"/>
+          </a:fontRef>
+        </p:style>
+        <p:txBody>
+          <a:bodyPr rtlCol="0" anchor="ctr"/>
+          <a:lstStyle/>
+          <a:p>
+            <a:pPr algn="ctr"/>
+            <a:endParaRPr lang="en-SG"/>
           </a:p>
         </p:txBody>
       </p:sp>
@@ -5887,7 +6005,7 @@
         </p:nvSpPr>
         <p:spPr>
           <a:xfrm>
-            <a:off x="4876666" y="2591477"/>
+            <a:off x="4876487" y="2642419"/>
             <a:ext cx="229325" cy="166560"/>
           </a:xfrm>
           <a:prstGeom prst="rect">
@@ -5946,8 +6064,8 @@
         </p:nvSpPr>
         <p:spPr>
           <a:xfrm>
-            <a:off x="4323757" y="1978202"/>
-            <a:ext cx="1860348" cy="756879"/>
+            <a:off x="4323757" y="1917876"/>
+            <a:ext cx="1876223" cy="810430"/>
           </a:xfrm>
           <a:custGeom>
             <a:avLst/>
@@ -6004,6 +6122,342 @@
               <a:gd name="connsiteY3" fmla="*/ 2569 h 204178"/>
               <a:gd name="connsiteX4" fmla="*/ 3048000 w 3048000"/>
               <a:gd name="connsiteY4" fmla="*/ 0 h 204178"/>
+              <a:gd name="connsiteX0" fmla="*/ 0 w 3048000"/>
+              <a:gd name="connsiteY0" fmla="*/ 203200 h 207954"/>
+              <a:gd name="connsiteX1" fmla="*/ 1285850 w 3048000"/>
+              <a:gd name="connsiteY1" fmla="*/ 206850 h 207954"/>
+              <a:gd name="connsiteX2" fmla="*/ 1772230 w 3048000"/>
+              <a:gd name="connsiteY2" fmla="*/ 176819 h 207954"/>
+              <a:gd name="connsiteX3" fmla="*/ 1758844 w 3048000"/>
+              <a:gd name="connsiteY3" fmla="*/ 2569 h 207954"/>
+              <a:gd name="connsiteX4" fmla="*/ 3048000 w 3048000"/>
+              <a:gd name="connsiteY4" fmla="*/ 0 h 207954"/>
+              <a:gd name="connsiteX0" fmla="*/ 0 w 3048000"/>
+              <a:gd name="connsiteY0" fmla="*/ 203200 h 204178"/>
+              <a:gd name="connsiteX1" fmla="*/ 1285850 w 3048000"/>
+              <a:gd name="connsiteY1" fmla="*/ 202514 h 204178"/>
+              <a:gd name="connsiteX2" fmla="*/ 1772230 w 3048000"/>
+              <a:gd name="connsiteY2" fmla="*/ 176819 h 204178"/>
+              <a:gd name="connsiteX3" fmla="*/ 1758844 w 3048000"/>
+              <a:gd name="connsiteY3" fmla="*/ 2569 h 204178"/>
+              <a:gd name="connsiteX4" fmla="*/ 3048000 w 3048000"/>
+              <a:gd name="connsiteY4" fmla="*/ 0 h 204178"/>
+              <a:gd name="connsiteX0" fmla="*/ 0 w 3048000"/>
+              <a:gd name="connsiteY0" fmla="*/ 203200 h 204178"/>
+              <a:gd name="connsiteX1" fmla="*/ 1285850 w 3048000"/>
+              <a:gd name="connsiteY1" fmla="*/ 202514 h 204178"/>
+              <a:gd name="connsiteX2" fmla="*/ 1772230 w 3048000"/>
+              <a:gd name="connsiteY2" fmla="*/ 176819 h 204178"/>
+              <a:gd name="connsiteX3" fmla="*/ 1758844 w 3048000"/>
+              <a:gd name="connsiteY3" fmla="*/ 2569 h 204178"/>
+              <a:gd name="connsiteX4" fmla="*/ 3048000 w 3048000"/>
+              <a:gd name="connsiteY4" fmla="*/ 0 h 204178"/>
+              <a:gd name="connsiteX0" fmla="*/ 0 w 3048000"/>
+              <a:gd name="connsiteY0" fmla="*/ 203200 h 204178"/>
+              <a:gd name="connsiteX1" fmla="*/ 1285850 w 3048000"/>
+              <a:gd name="connsiteY1" fmla="*/ 202514 h 204178"/>
+              <a:gd name="connsiteX2" fmla="*/ 1772230 w 3048000"/>
+              <a:gd name="connsiteY2" fmla="*/ 176819 h 204178"/>
+              <a:gd name="connsiteX3" fmla="*/ 1810863 w 3048000"/>
+              <a:gd name="connsiteY3" fmla="*/ 3436 h 204178"/>
+              <a:gd name="connsiteX4" fmla="*/ 3048000 w 3048000"/>
+              <a:gd name="connsiteY4" fmla="*/ 0 h 204178"/>
+              <a:gd name="connsiteX0" fmla="*/ 0 w 3048000"/>
+              <a:gd name="connsiteY0" fmla="*/ 203200 h 204178"/>
+              <a:gd name="connsiteX1" fmla="*/ 1493927 w 3048000"/>
+              <a:gd name="connsiteY1" fmla="*/ 202514 h 204178"/>
+              <a:gd name="connsiteX2" fmla="*/ 1772230 w 3048000"/>
+              <a:gd name="connsiteY2" fmla="*/ 176819 h 204178"/>
+              <a:gd name="connsiteX3" fmla="*/ 1810863 w 3048000"/>
+              <a:gd name="connsiteY3" fmla="*/ 3436 h 204178"/>
+              <a:gd name="connsiteX4" fmla="*/ 3048000 w 3048000"/>
+              <a:gd name="connsiteY4" fmla="*/ 0 h 204178"/>
+              <a:gd name="connsiteX0" fmla="*/ 0 w 3048000"/>
+              <a:gd name="connsiteY0" fmla="*/ 203200 h 204890"/>
+              <a:gd name="connsiteX1" fmla="*/ 1644783 w 3048000"/>
+              <a:gd name="connsiteY1" fmla="*/ 203381 h 204890"/>
+              <a:gd name="connsiteX2" fmla="*/ 1772230 w 3048000"/>
+              <a:gd name="connsiteY2" fmla="*/ 176819 h 204890"/>
+              <a:gd name="connsiteX3" fmla="*/ 1810863 w 3048000"/>
+              <a:gd name="connsiteY3" fmla="*/ 3436 h 204890"/>
+              <a:gd name="connsiteX4" fmla="*/ 3048000 w 3048000"/>
+              <a:gd name="connsiteY4" fmla="*/ 0 h 204890"/>
+              <a:gd name="connsiteX0" fmla="*/ 0 w 3048000"/>
+              <a:gd name="connsiteY0" fmla="*/ 203200 h 204890"/>
+              <a:gd name="connsiteX1" fmla="*/ 1644783 w 3048000"/>
+              <a:gd name="connsiteY1" fmla="*/ 203381 h 204890"/>
+              <a:gd name="connsiteX2" fmla="*/ 1824249 w 3048000"/>
+              <a:gd name="connsiteY2" fmla="*/ 166412 h 204890"/>
+              <a:gd name="connsiteX3" fmla="*/ 1810863 w 3048000"/>
+              <a:gd name="connsiteY3" fmla="*/ 3436 h 204890"/>
+              <a:gd name="connsiteX4" fmla="*/ 3048000 w 3048000"/>
+              <a:gd name="connsiteY4" fmla="*/ 0 h 204890"/>
+              <a:gd name="connsiteX0" fmla="*/ 0 w 3048000"/>
+              <a:gd name="connsiteY0" fmla="*/ 203200 h 204890"/>
+              <a:gd name="connsiteX1" fmla="*/ 1644783 w 3048000"/>
+              <a:gd name="connsiteY1" fmla="*/ 203381 h 204890"/>
+              <a:gd name="connsiteX2" fmla="*/ 1793037 w 3048000"/>
+              <a:gd name="connsiteY2" fmla="*/ 143864 h 204890"/>
+              <a:gd name="connsiteX3" fmla="*/ 1810863 w 3048000"/>
+              <a:gd name="connsiteY3" fmla="*/ 3436 h 204890"/>
+              <a:gd name="connsiteX4" fmla="*/ 3048000 w 3048000"/>
+              <a:gd name="connsiteY4" fmla="*/ 0 h 204890"/>
+              <a:gd name="connsiteX0" fmla="*/ 0 w 3048000"/>
+              <a:gd name="connsiteY0" fmla="*/ 203200 h 204890"/>
+              <a:gd name="connsiteX1" fmla="*/ 1644783 w 3048000"/>
+              <a:gd name="connsiteY1" fmla="*/ 203381 h 204890"/>
+              <a:gd name="connsiteX2" fmla="*/ 1954297 w 3048000"/>
+              <a:gd name="connsiteY2" fmla="*/ 180288 h 204890"/>
+              <a:gd name="connsiteX3" fmla="*/ 1810863 w 3048000"/>
+              <a:gd name="connsiteY3" fmla="*/ 3436 h 204890"/>
+              <a:gd name="connsiteX4" fmla="*/ 3048000 w 3048000"/>
+              <a:gd name="connsiteY4" fmla="*/ 0 h 204890"/>
+              <a:gd name="connsiteX0" fmla="*/ 0 w 3048000"/>
+              <a:gd name="connsiteY0" fmla="*/ 203200 h 204890"/>
+              <a:gd name="connsiteX1" fmla="*/ 1644783 w 3048000"/>
+              <a:gd name="connsiteY1" fmla="*/ 203381 h 204890"/>
+              <a:gd name="connsiteX2" fmla="*/ 1954297 w 3048000"/>
+              <a:gd name="connsiteY2" fmla="*/ 180288 h 204890"/>
+              <a:gd name="connsiteX3" fmla="*/ 1810863 w 3048000"/>
+              <a:gd name="connsiteY3" fmla="*/ 3436 h 204890"/>
+              <a:gd name="connsiteX4" fmla="*/ 3048000 w 3048000"/>
+              <a:gd name="connsiteY4" fmla="*/ 0 h 204890"/>
+              <a:gd name="connsiteX0" fmla="*/ 0 w 3048000"/>
+              <a:gd name="connsiteY0" fmla="*/ 203200 h 204890"/>
+              <a:gd name="connsiteX1" fmla="*/ 1644783 w 3048000"/>
+              <a:gd name="connsiteY1" fmla="*/ 203381 h 204890"/>
+              <a:gd name="connsiteX2" fmla="*/ 1954297 w 3048000"/>
+              <a:gd name="connsiteY2" fmla="*/ 180288 h 204890"/>
+              <a:gd name="connsiteX3" fmla="*/ 1810863 w 3048000"/>
+              <a:gd name="connsiteY3" fmla="*/ 3436 h 204890"/>
+              <a:gd name="connsiteX4" fmla="*/ 3048000 w 3048000"/>
+              <a:gd name="connsiteY4" fmla="*/ 0 h 204890"/>
+              <a:gd name="connsiteX0" fmla="*/ 0 w 3048000"/>
+              <a:gd name="connsiteY0" fmla="*/ 203200 h 207166"/>
+              <a:gd name="connsiteX1" fmla="*/ 1421100 w 3048000"/>
+              <a:gd name="connsiteY1" fmla="*/ 205983 h 207166"/>
+              <a:gd name="connsiteX2" fmla="*/ 1954297 w 3048000"/>
+              <a:gd name="connsiteY2" fmla="*/ 180288 h 207166"/>
+              <a:gd name="connsiteX3" fmla="*/ 1810863 w 3048000"/>
+              <a:gd name="connsiteY3" fmla="*/ 3436 h 207166"/>
+              <a:gd name="connsiteX4" fmla="*/ 3048000 w 3048000"/>
+              <a:gd name="connsiteY4" fmla="*/ 0 h 207166"/>
+              <a:gd name="connsiteX0" fmla="*/ 0 w 3048000"/>
+              <a:gd name="connsiteY0" fmla="*/ 203200 h 207166"/>
+              <a:gd name="connsiteX1" fmla="*/ 1421100 w 3048000"/>
+              <a:gd name="connsiteY1" fmla="*/ 205983 h 207166"/>
+              <a:gd name="connsiteX2" fmla="*/ 1777431 w 3048000"/>
+              <a:gd name="connsiteY2" fmla="*/ 181155 h 207166"/>
+              <a:gd name="connsiteX3" fmla="*/ 1810863 w 3048000"/>
+              <a:gd name="connsiteY3" fmla="*/ 3436 h 207166"/>
+              <a:gd name="connsiteX4" fmla="*/ 3048000 w 3048000"/>
+              <a:gd name="connsiteY4" fmla="*/ 0 h 207166"/>
+              <a:gd name="connsiteX0" fmla="*/ 0 w 3048000"/>
+              <a:gd name="connsiteY0" fmla="*/ 203200 h 203503"/>
+              <a:gd name="connsiteX1" fmla="*/ 1077773 w 3048000"/>
+              <a:gd name="connsiteY1" fmla="*/ 201647 h 203503"/>
+              <a:gd name="connsiteX2" fmla="*/ 1777431 w 3048000"/>
+              <a:gd name="connsiteY2" fmla="*/ 181155 h 203503"/>
+              <a:gd name="connsiteX3" fmla="*/ 1810863 w 3048000"/>
+              <a:gd name="connsiteY3" fmla="*/ 3436 h 203503"/>
+              <a:gd name="connsiteX4" fmla="*/ 3048000 w 3048000"/>
+              <a:gd name="connsiteY4" fmla="*/ 0 h 203503"/>
+              <a:gd name="connsiteX0" fmla="*/ 0 w 3048000"/>
+              <a:gd name="connsiteY0" fmla="*/ 203200 h 204890"/>
+              <a:gd name="connsiteX1" fmla="*/ 1124590 w 3048000"/>
+              <a:gd name="connsiteY1" fmla="*/ 203381 h 204890"/>
+              <a:gd name="connsiteX2" fmla="*/ 1777431 w 3048000"/>
+              <a:gd name="connsiteY2" fmla="*/ 181155 h 204890"/>
+              <a:gd name="connsiteX3" fmla="*/ 1810863 w 3048000"/>
+              <a:gd name="connsiteY3" fmla="*/ 3436 h 204890"/>
+              <a:gd name="connsiteX4" fmla="*/ 3048000 w 3048000"/>
+              <a:gd name="connsiteY4" fmla="*/ 0 h 204890"/>
+              <a:gd name="connsiteX0" fmla="*/ 0 w 3048000"/>
+              <a:gd name="connsiteY0" fmla="*/ 203200 h 204890"/>
+              <a:gd name="connsiteX1" fmla="*/ 1124590 w 3048000"/>
+              <a:gd name="connsiteY1" fmla="*/ 203381 h 204890"/>
+              <a:gd name="connsiteX2" fmla="*/ 1777431 w 3048000"/>
+              <a:gd name="connsiteY2" fmla="*/ 181155 h 204890"/>
+              <a:gd name="connsiteX3" fmla="*/ 1806041 w 3048000"/>
+              <a:gd name="connsiteY3" fmla="*/ 133507 h 204890"/>
+              <a:gd name="connsiteX4" fmla="*/ 1810863 w 3048000"/>
+              <a:gd name="connsiteY4" fmla="*/ 3436 h 204890"/>
+              <a:gd name="connsiteX5" fmla="*/ 3048000 w 3048000"/>
+              <a:gd name="connsiteY5" fmla="*/ 0 h 204890"/>
+              <a:gd name="connsiteX0" fmla="*/ 0 w 3048000"/>
+              <a:gd name="connsiteY0" fmla="*/ 203200 h 204890"/>
+              <a:gd name="connsiteX1" fmla="*/ 1124590 w 3048000"/>
+              <a:gd name="connsiteY1" fmla="*/ 203381 h 204890"/>
+              <a:gd name="connsiteX2" fmla="*/ 1777431 w 3048000"/>
+              <a:gd name="connsiteY2" fmla="*/ 181155 h 204890"/>
+              <a:gd name="connsiteX3" fmla="*/ 1806041 w 3048000"/>
+              <a:gd name="connsiteY3" fmla="*/ 133507 h 204890"/>
+              <a:gd name="connsiteX4" fmla="*/ 1816445 w 3048000"/>
+              <a:gd name="connsiteY4" fmla="*/ 64128 h 204890"/>
+              <a:gd name="connsiteX5" fmla="*/ 1810863 w 3048000"/>
+              <a:gd name="connsiteY5" fmla="*/ 3436 h 204890"/>
+              <a:gd name="connsiteX6" fmla="*/ 3048000 w 3048000"/>
+              <a:gd name="connsiteY6" fmla="*/ 0 h 204890"/>
+              <a:gd name="connsiteX0" fmla="*/ 0 w 3048000"/>
+              <a:gd name="connsiteY0" fmla="*/ 203200 h 204890"/>
+              <a:gd name="connsiteX1" fmla="*/ 1124590 w 3048000"/>
+              <a:gd name="connsiteY1" fmla="*/ 203381 h 204890"/>
+              <a:gd name="connsiteX2" fmla="*/ 1777431 w 3048000"/>
+              <a:gd name="connsiteY2" fmla="*/ 181155 h 204890"/>
+              <a:gd name="connsiteX3" fmla="*/ 1806041 w 3048000"/>
+              <a:gd name="connsiteY3" fmla="*/ 133507 h 204890"/>
+              <a:gd name="connsiteX4" fmla="*/ 1816445 w 3048000"/>
+              <a:gd name="connsiteY4" fmla="*/ 64128 h 204890"/>
+              <a:gd name="connsiteX5" fmla="*/ 1790435 w 3048000"/>
+              <a:gd name="connsiteY5" fmla="*/ 23367 h 204890"/>
+              <a:gd name="connsiteX6" fmla="*/ 1810863 w 3048000"/>
+              <a:gd name="connsiteY6" fmla="*/ 3436 h 204890"/>
+              <a:gd name="connsiteX7" fmla="*/ 3048000 w 3048000"/>
+              <a:gd name="connsiteY7" fmla="*/ 0 h 204890"/>
+              <a:gd name="connsiteX0" fmla="*/ 0 w 3048000"/>
+              <a:gd name="connsiteY0" fmla="*/ 217109 h 218799"/>
+              <a:gd name="connsiteX1" fmla="*/ 1124590 w 3048000"/>
+              <a:gd name="connsiteY1" fmla="*/ 217290 h 218799"/>
+              <a:gd name="connsiteX2" fmla="*/ 1777431 w 3048000"/>
+              <a:gd name="connsiteY2" fmla="*/ 195064 h 218799"/>
+              <a:gd name="connsiteX3" fmla="*/ 1806041 w 3048000"/>
+              <a:gd name="connsiteY3" fmla="*/ 147416 h 218799"/>
+              <a:gd name="connsiteX4" fmla="*/ 1816445 w 3048000"/>
+              <a:gd name="connsiteY4" fmla="*/ 78037 h 218799"/>
+              <a:gd name="connsiteX5" fmla="*/ 1790435 w 3048000"/>
+              <a:gd name="connsiteY5" fmla="*/ 37276 h 218799"/>
+              <a:gd name="connsiteX6" fmla="*/ 1868084 w 3048000"/>
+              <a:gd name="connsiteY6" fmla="*/ 0 h 218799"/>
+              <a:gd name="connsiteX7" fmla="*/ 3048000 w 3048000"/>
+              <a:gd name="connsiteY7" fmla="*/ 13909 h 218799"/>
+              <a:gd name="connsiteX0" fmla="*/ 0 w 3074010"/>
+              <a:gd name="connsiteY0" fmla="*/ 219678 h 221368"/>
+              <a:gd name="connsiteX1" fmla="*/ 1124590 w 3074010"/>
+              <a:gd name="connsiteY1" fmla="*/ 219859 h 221368"/>
+              <a:gd name="connsiteX2" fmla="*/ 1777431 w 3074010"/>
+              <a:gd name="connsiteY2" fmla="*/ 197633 h 221368"/>
+              <a:gd name="connsiteX3" fmla="*/ 1806041 w 3074010"/>
+              <a:gd name="connsiteY3" fmla="*/ 149985 h 221368"/>
+              <a:gd name="connsiteX4" fmla="*/ 1816445 w 3074010"/>
+              <a:gd name="connsiteY4" fmla="*/ 80606 h 221368"/>
+              <a:gd name="connsiteX5" fmla="*/ 1790435 w 3074010"/>
+              <a:gd name="connsiteY5" fmla="*/ 39845 h 221368"/>
+              <a:gd name="connsiteX6" fmla="*/ 1868084 w 3074010"/>
+              <a:gd name="connsiteY6" fmla="*/ 2569 h 221368"/>
+              <a:gd name="connsiteX7" fmla="*/ 3074010 w 3074010"/>
+              <a:gd name="connsiteY7" fmla="*/ 0 h 221368"/>
+              <a:gd name="connsiteX0" fmla="*/ 0 w 3074010"/>
+              <a:gd name="connsiteY0" fmla="*/ 219678 h 221368"/>
+              <a:gd name="connsiteX1" fmla="*/ 1124590 w 3074010"/>
+              <a:gd name="connsiteY1" fmla="*/ 219859 h 221368"/>
+              <a:gd name="connsiteX2" fmla="*/ 1777431 w 3074010"/>
+              <a:gd name="connsiteY2" fmla="*/ 197633 h 221368"/>
+              <a:gd name="connsiteX3" fmla="*/ 1806041 w 3074010"/>
+              <a:gd name="connsiteY3" fmla="*/ 149985 h 221368"/>
+              <a:gd name="connsiteX4" fmla="*/ 1816445 w 3074010"/>
+              <a:gd name="connsiteY4" fmla="*/ 80606 h 221368"/>
+              <a:gd name="connsiteX5" fmla="*/ 1790435 w 3074010"/>
+              <a:gd name="connsiteY5" fmla="*/ 39845 h 221368"/>
+              <a:gd name="connsiteX6" fmla="*/ 1966921 w 3074010"/>
+              <a:gd name="connsiteY6" fmla="*/ 2569 h 221368"/>
+              <a:gd name="connsiteX7" fmla="*/ 3074010 w 3074010"/>
+              <a:gd name="connsiteY7" fmla="*/ 0 h 221368"/>
+              <a:gd name="connsiteX0" fmla="*/ 0 w 3074010"/>
+              <a:gd name="connsiteY0" fmla="*/ 219678 h 221368"/>
+              <a:gd name="connsiteX1" fmla="*/ 1124590 w 3074010"/>
+              <a:gd name="connsiteY1" fmla="*/ 219859 h 221368"/>
+              <a:gd name="connsiteX2" fmla="*/ 1777431 w 3074010"/>
+              <a:gd name="connsiteY2" fmla="*/ 197633 h 221368"/>
+              <a:gd name="connsiteX3" fmla="*/ 1806041 w 3074010"/>
+              <a:gd name="connsiteY3" fmla="*/ 149985 h 221368"/>
+              <a:gd name="connsiteX4" fmla="*/ 1816445 w 3074010"/>
+              <a:gd name="connsiteY4" fmla="*/ 80606 h 221368"/>
+              <a:gd name="connsiteX5" fmla="*/ 1821647 w 3074010"/>
+              <a:gd name="connsiteY5" fmla="*/ 39845 h 221368"/>
+              <a:gd name="connsiteX6" fmla="*/ 1966921 w 3074010"/>
+              <a:gd name="connsiteY6" fmla="*/ 2569 h 221368"/>
+              <a:gd name="connsiteX7" fmla="*/ 3074010 w 3074010"/>
+              <a:gd name="connsiteY7" fmla="*/ 0 h 221368"/>
+              <a:gd name="connsiteX0" fmla="*/ 0 w 3074010"/>
+              <a:gd name="connsiteY0" fmla="*/ 219678 h 221368"/>
+              <a:gd name="connsiteX1" fmla="*/ 1124590 w 3074010"/>
+              <a:gd name="connsiteY1" fmla="*/ 219859 h 221368"/>
+              <a:gd name="connsiteX2" fmla="*/ 1777431 w 3074010"/>
+              <a:gd name="connsiteY2" fmla="*/ 197633 h 221368"/>
+              <a:gd name="connsiteX3" fmla="*/ 1826849 w 3074010"/>
+              <a:gd name="connsiteY3" fmla="*/ 149985 h 221368"/>
+              <a:gd name="connsiteX4" fmla="*/ 1816445 w 3074010"/>
+              <a:gd name="connsiteY4" fmla="*/ 80606 h 221368"/>
+              <a:gd name="connsiteX5" fmla="*/ 1821647 w 3074010"/>
+              <a:gd name="connsiteY5" fmla="*/ 39845 h 221368"/>
+              <a:gd name="connsiteX6" fmla="*/ 1966921 w 3074010"/>
+              <a:gd name="connsiteY6" fmla="*/ 2569 h 221368"/>
+              <a:gd name="connsiteX7" fmla="*/ 3074010 w 3074010"/>
+              <a:gd name="connsiteY7" fmla="*/ 0 h 221368"/>
+              <a:gd name="connsiteX0" fmla="*/ 0 w 3074010"/>
+              <a:gd name="connsiteY0" fmla="*/ 219678 h 224646"/>
+              <a:gd name="connsiteX1" fmla="*/ 1124590 w 3074010"/>
+              <a:gd name="connsiteY1" fmla="*/ 219859 h 224646"/>
+              <a:gd name="connsiteX2" fmla="*/ 1845057 w 3074010"/>
+              <a:gd name="connsiteY2" fmla="*/ 211509 h 224646"/>
+              <a:gd name="connsiteX3" fmla="*/ 1826849 w 3074010"/>
+              <a:gd name="connsiteY3" fmla="*/ 149985 h 224646"/>
+              <a:gd name="connsiteX4" fmla="*/ 1816445 w 3074010"/>
+              <a:gd name="connsiteY4" fmla="*/ 80606 h 224646"/>
+              <a:gd name="connsiteX5" fmla="*/ 1821647 w 3074010"/>
+              <a:gd name="connsiteY5" fmla="*/ 39845 h 224646"/>
+              <a:gd name="connsiteX6" fmla="*/ 1966921 w 3074010"/>
+              <a:gd name="connsiteY6" fmla="*/ 2569 h 224646"/>
+              <a:gd name="connsiteX7" fmla="*/ 3074010 w 3074010"/>
+              <a:gd name="connsiteY7" fmla="*/ 0 h 224646"/>
+              <a:gd name="connsiteX0" fmla="*/ 0 w 3074010"/>
+              <a:gd name="connsiteY0" fmla="*/ 219678 h 224646"/>
+              <a:gd name="connsiteX1" fmla="*/ 1124590 w 3074010"/>
+              <a:gd name="connsiteY1" fmla="*/ 219859 h 224646"/>
+              <a:gd name="connsiteX2" fmla="*/ 1798239 w 3074010"/>
+              <a:gd name="connsiteY2" fmla="*/ 211509 h 224646"/>
+              <a:gd name="connsiteX3" fmla="*/ 1826849 w 3074010"/>
+              <a:gd name="connsiteY3" fmla="*/ 149985 h 224646"/>
+              <a:gd name="connsiteX4" fmla="*/ 1816445 w 3074010"/>
+              <a:gd name="connsiteY4" fmla="*/ 80606 h 224646"/>
+              <a:gd name="connsiteX5" fmla="*/ 1821647 w 3074010"/>
+              <a:gd name="connsiteY5" fmla="*/ 39845 h 224646"/>
+              <a:gd name="connsiteX6" fmla="*/ 1966921 w 3074010"/>
+              <a:gd name="connsiteY6" fmla="*/ 2569 h 224646"/>
+              <a:gd name="connsiteX7" fmla="*/ 3074010 w 3074010"/>
+              <a:gd name="connsiteY7" fmla="*/ 0 h 224646"/>
+              <a:gd name="connsiteX0" fmla="*/ 0 w 3074010"/>
+              <a:gd name="connsiteY0" fmla="*/ 219678 h 221368"/>
+              <a:gd name="connsiteX1" fmla="*/ 1124590 w 3074010"/>
+              <a:gd name="connsiteY1" fmla="*/ 219859 h 221368"/>
+              <a:gd name="connsiteX2" fmla="*/ 1798239 w 3074010"/>
+              <a:gd name="connsiteY2" fmla="*/ 211509 h 221368"/>
+              <a:gd name="connsiteX3" fmla="*/ 1826849 w 3074010"/>
+              <a:gd name="connsiteY3" fmla="*/ 149985 h 221368"/>
+              <a:gd name="connsiteX4" fmla="*/ 1816445 w 3074010"/>
+              <a:gd name="connsiteY4" fmla="*/ 80606 h 221368"/>
+              <a:gd name="connsiteX5" fmla="*/ 1821647 w 3074010"/>
+              <a:gd name="connsiteY5" fmla="*/ 39845 h 221368"/>
+              <a:gd name="connsiteX6" fmla="*/ 1966921 w 3074010"/>
+              <a:gd name="connsiteY6" fmla="*/ 2569 h 221368"/>
+              <a:gd name="connsiteX7" fmla="*/ 3074010 w 3074010"/>
+              <a:gd name="connsiteY7" fmla="*/ 0 h 221368"/>
+              <a:gd name="connsiteX0" fmla="*/ 0 w 3074010"/>
+              <a:gd name="connsiteY0" fmla="*/ 219678 h 221368"/>
+              <a:gd name="connsiteX1" fmla="*/ 1124590 w 3074010"/>
+              <a:gd name="connsiteY1" fmla="*/ 219859 h 221368"/>
+              <a:gd name="connsiteX2" fmla="*/ 1798239 w 3074010"/>
+              <a:gd name="connsiteY2" fmla="*/ 211509 h 221368"/>
+              <a:gd name="connsiteX3" fmla="*/ 1826849 w 3074010"/>
+              <a:gd name="connsiteY3" fmla="*/ 149985 h 221368"/>
+              <a:gd name="connsiteX4" fmla="*/ 1816445 w 3074010"/>
+              <a:gd name="connsiteY4" fmla="*/ 80606 h 221368"/>
+              <a:gd name="connsiteX5" fmla="*/ 1821647 w 3074010"/>
+              <a:gd name="connsiteY5" fmla="*/ 39845 h 221368"/>
+              <a:gd name="connsiteX6" fmla="*/ 1966921 w 3074010"/>
+              <a:gd name="connsiteY6" fmla="*/ 2569 h 221368"/>
+              <a:gd name="connsiteX7" fmla="*/ 3074010 w 3074010"/>
+              <a:gd name="connsiteY7" fmla="*/ 0 h 221368"/>
             </a:gdLst>
             <a:ahLst/>
             <a:cxnLst>
@@ -6022,28 +6476,54 @@
               <a:cxn ang="0">
                 <a:pos x="connsiteX4" y="connsiteY4"/>
               </a:cxn>
+              <a:cxn ang="0">
+                <a:pos x="connsiteX5" y="connsiteY5"/>
+              </a:cxn>
+              <a:cxn ang="0">
+                <a:pos x="connsiteX6" y="connsiteY6"/>
+              </a:cxn>
+              <a:cxn ang="0">
+                <a:pos x="connsiteX7" y="connsiteY7"/>
+              </a:cxn>
             </a:cxnLst>
             <a:rect l="l" t="t" r="r" b="b"/>
             <a:pathLst>
-              <a:path w="3048000" h="204178">
+              <a:path w="3074010" h="221368">
                 <a:moveTo>
-                  <a:pt x="0" y="203200"/>
+                  <a:pt x="0" y="219678"/>
                 </a:moveTo>
                 <a:cubicBezTo>
-                  <a:pt x="73639" y="200945"/>
-                  <a:pt x="985276" y="206911"/>
-                  <a:pt x="1280648" y="202514"/>
+                  <a:pt x="73639" y="217423"/>
+                  <a:pt x="829218" y="224256"/>
+                  <a:pt x="1124590" y="219859"/>
                 </a:cubicBezTo>
                 <a:cubicBezTo>
-                  <a:pt x="1591625" y="202614"/>
-                  <a:pt x="1552729" y="208002"/>
-                  <a:pt x="1772230" y="176819"/>
+                  <a:pt x="1352336" y="219959"/>
+                  <a:pt x="1396670" y="223613"/>
+                  <a:pt x="1798239" y="211509"/>
+                </a:cubicBezTo>
+                <a:cubicBezTo>
+                  <a:pt x="1836386" y="196539"/>
+                  <a:pt x="1821277" y="179605"/>
+                  <a:pt x="1826849" y="149985"/>
+                </a:cubicBezTo>
+                <a:cubicBezTo>
+                  <a:pt x="1819480" y="130191"/>
+                  <a:pt x="1815641" y="102284"/>
+                  <a:pt x="1816445" y="80606"/>
+                </a:cubicBezTo>
+                <a:cubicBezTo>
+                  <a:pt x="1802573" y="62249"/>
+                  <a:pt x="1822577" y="49960"/>
+                  <a:pt x="1821647" y="39845"/>
+                </a:cubicBezTo>
+                <a:cubicBezTo>
+                  <a:pt x="1820717" y="29730"/>
+                  <a:pt x="1746056" y="6464"/>
+                  <a:pt x="1966921" y="2569"/>
                 </a:cubicBezTo>
                 <a:lnTo>
-                  <a:pt x="1758844" y="2569"/>
-                </a:lnTo>
-                <a:lnTo>
-                  <a:pt x="3048000" y="0"/>
+                  <a:pt x="3074010" y="0"/>
                 </a:lnTo>
               </a:path>
             </a:pathLst>

--- a/docs/diagrams/UiComponentClassDiagram.pptx
+++ b/docs/diagrams/UiComponentClassDiagram.pptx
@@ -212,7 +212,7 @@
           <a:p>
             <a:fld id="{F5CC4B3F-88C1-4FFA-B1B6-F41C21DC6924}" type="datetimeFigureOut">
               <a:rPr lang="en-US" smtClean="0"/>
-              <a:t>11/2/2017</a:t>
+              <a:t>11/3/2017</a:t>
             </a:fld>
             <a:endParaRPr lang="en-US"/>
           </a:p>
@@ -658,7 +658,7 @@
           <a:p>
             <a:fld id="{78C97017-6FC3-485B-9764-EAC9E56C1D49}" type="datetimeFigureOut">
               <a:rPr lang="en-US" smtClean="0"/>
-              <a:t>11/2/2017</a:t>
+              <a:t>11/3/2017</a:t>
             </a:fld>
             <a:endParaRPr lang="en-US"/>
           </a:p>
@@ -826,7 +826,7 @@
           <a:p>
             <a:fld id="{78C97017-6FC3-485B-9764-EAC9E56C1D49}" type="datetimeFigureOut">
               <a:rPr lang="en-US" smtClean="0"/>
-              <a:t>11/2/2017</a:t>
+              <a:t>11/3/2017</a:t>
             </a:fld>
             <a:endParaRPr lang="en-US"/>
           </a:p>
@@ -1004,7 +1004,7 @@
           <a:p>
             <a:fld id="{78C97017-6FC3-485B-9764-EAC9E56C1D49}" type="datetimeFigureOut">
               <a:rPr lang="en-US" smtClean="0"/>
-              <a:t>11/2/2017</a:t>
+              <a:t>11/3/2017</a:t>
             </a:fld>
             <a:endParaRPr lang="en-US"/>
           </a:p>
@@ -1172,7 +1172,7 @@
           <a:p>
             <a:fld id="{78C97017-6FC3-485B-9764-EAC9E56C1D49}" type="datetimeFigureOut">
               <a:rPr lang="en-US" smtClean="0"/>
-              <a:t>11/2/2017</a:t>
+              <a:t>11/3/2017</a:t>
             </a:fld>
             <a:endParaRPr lang="en-US"/>
           </a:p>
@@ -1417,7 +1417,7 @@
           <a:p>
             <a:fld id="{78C97017-6FC3-485B-9764-EAC9E56C1D49}" type="datetimeFigureOut">
               <a:rPr lang="en-US" smtClean="0"/>
-              <a:t>11/2/2017</a:t>
+              <a:t>11/3/2017</a:t>
             </a:fld>
             <a:endParaRPr lang="en-US"/>
           </a:p>
@@ -1702,7 +1702,7 @@
           <a:p>
             <a:fld id="{78C97017-6FC3-485B-9764-EAC9E56C1D49}" type="datetimeFigureOut">
               <a:rPr lang="en-US" smtClean="0"/>
-              <a:t>11/2/2017</a:t>
+              <a:t>11/3/2017</a:t>
             </a:fld>
             <a:endParaRPr lang="en-US"/>
           </a:p>
@@ -2121,7 +2121,7 @@
           <a:p>
             <a:fld id="{78C97017-6FC3-485B-9764-EAC9E56C1D49}" type="datetimeFigureOut">
               <a:rPr lang="en-US" smtClean="0"/>
-              <a:t>11/2/2017</a:t>
+              <a:t>11/3/2017</a:t>
             </a:fld>
             <a:endParaRPr lang="en-US"/>
           </a:p>
@@ -2238,7 +2238,7 @@
           <a:p>
             <a:fld id="{78C97017-6FC3-485B-9764-EAC9E56C1D49}" type="datetimeFigureOut">
               <a:rPr lang="en-US" smtClean="0"/>
-              <a:t>11/2/2017</a:t>
+              <a:t>11/3/2017</a:t>
             </a:fld>
             <a:endParaRPr lang="en-US"/>
           </a:p>
@@ -2333,7 +2333,7 @@
           <a:p>
             <a:fld id="{78C97017-6FC3-485B-9764-EAC9E56C1D49}" type="datetimeFigureOut">
               <a:rPr lang="en-US" smtClean="0"/>
-              <a:t>11/2/2017</a:t>
+              <a:t>11/3/2017</a:t>
             </a:fld>
             <a:endParaRPr lang="en-US"/>
           </a:p>
@@ -2608,7 +2608,7 @@
           <a:p>
             <a:fld id="{78C97017-6FC3-485B-9764-EAC9E56C1D49}" type="datetimeFigureOut">
               <a:rPr lang="en-US" smtClean="0"/>
-              <a:t>11/2/2017</a:t>
+              <a:t>11/3/2017</a:t>
             </a:fld>
             <a:endParaRPr lang="en-US"/>
           </a:p>
@@ -2860,7 +2860,7 @@
           <a:p>
             <a:fld id="{78C97017-6FC3-485B-9764-EAC9E56C1D49}" type="datetimeFigureOut">
               <a:rPr lang="en-US" smtClean="0"/>
-              <a:t>11/2/2017</a:t>
+              <a:t>11/3/2017</a:t>
             </a:fld>
             <a:endParaRPr lang="en-US"/>
           </a:p>
@@ -3071,7 +3071,7 @@
           <a:p>
             <a:fld id="{78C97017-6FC3-485B-9764-EAC9E56C1D49}" type="datetimeFigureOut">
               <a:rPr lang="en-US" smtClean="0"/>
-              <a:t>11/2/2017</a:t>
+              <a:t>11/3/2017</a:t>
             </a:fld>
             <a:endParaRPr lang="en-US"/>
           </a:p>
@@ -6050,490 +6050,34 @@
           </a:p>
         </p:txBody>
       </p:sp>
-      <p:sp>
-        <p:nvSpPr>
-          <p:cNvPr id="60" name="Freeform 115">
+      <p:cxnSp>
+        <p:nvCxnSpPr>
+          <p:cNvPr id="51" name="Elbow Connector 136">
             <a:extLst>
               <a:ext uri="{FF2B5EF4-FFF2-40B4-BE49-F238E27FC236}">
-                <a16:creationId xmlns:a16="http://schemas.microsoft.com/office/drawing/2014/main" id="{D32425F1-EF78-4778-9ADA-9F6FF7D2871E}"/>
+                <a16:creationId xmlns:a16="http://schemas.microsoft.com/office/drawing/2014/main" id="{68CC4FA5-8E4B-4F98-BEAF-01E1D70FD7FD}"/>
               </a:ext>
             </a:extLst>
           </p:cNvPr>
-          <p:cNvSpPr/>
+          <p:cNvCxnSpPr>
+            <a:stCxn id="56" idx="3"/>
+          </p:cNvCxnSpPr>
           <p:nvPr/>
-        </p:nvSpPr>
-        <p:spPr>
-          <a:xfrm>
-            <a:off x="4323757" y="1917876"/>
-            <a:ext cx="1876223" cy="810430"/>
-          </a:xfrm>
-          <a:custGeom>
-            <a:avLst/>
-            <a:gdLst>
-              <a:gd name="connsiteX0" fmla="*/ 0 w 3048000"/>
-              <a:gd name="connsiteY0" fmla="*/ 203200 h 203200"/>
-              <a:gd name="connsiteX1" fmla="*/ 221673 w 3048000"/>
-              <a:gd name="connsiteY1" fmla="*/ 0 h 203200"/>
-              <a:gd name="connsiteX2" fmla="*/ 3048000 w 3048000"/>
-              <a:gd name="connsiteY2" fmla="*/ 0 h 203200"/>
-              <a:gd name="connsiteX0" fmla="*/ 0 w 3048000"/>
-              <a:gd name="connsiteY0" fmla="*/ 203200 h 203200"/>
-              <a:gd name="connsiteX1" fmla="*/ 1772230 w 3048000"/>
-              <a:gd name="connsiteY1" fmla="*/ 176819 h 203200"/>
-              <a:gd name="connsiteX2" fmla="*/ 221673 w 3048000"/>
-              <a:gd name="connsiteY2" fmla="*/ 0 h 203200"/>
-              <a:gd name="connsiteX3" fmla="*/ 3048000 w 3048000"/>
-              <a:gd name="connsiteY3" fmla="*/ 0 h 203200"/>
-              <a:gd name="connsiteX0" fmla="*/ 0 w 3048000"/>
-              <a:gd name="connsiteY0" fmla="*/ 203200 h 203200"/>
-              <a:gd name="connsiteX1" fmla="*/ 1772230 w 3048000"/>
-              <a:gd name="connsiteY1" fmla="*/ 176819 h 203200"/>
-              <a:gd name="connsiteX2" fmla="*/ 1758844 w 3048000"/>
-              <a:gd name="connsiteY2" fmla="*/ 2569 h 203200"/>
-              <a:gd name="connsiteX3" fmla="*/ 3048000 w 3048000"/>
-              <a:gd name="connsiteY3" fmla="*/ 0 h 203200"/>
-              <a:gd name="connsiteX0" fmla="*/ 0 w 3048000"/>
-              <a:gd name="connsiteY0" fmla="*/ 203200 h 203200"/>
-              <a:gd name="connsiteX1" fmla="*/ 1226027 w 3048000"/>
-              <a:gd name="connsiteY1" fmla="*/ 200587 h 203200"/>
-              <a:gd name="connsiteX2" fmla="*/ 1772230 w 3048000"/>
-              <a:gd name="connsiteY2" fmla="*/ 176819 h 203200"/>
-              <a:gd name="connsiteX3" fmla="*/ 1758844 w 3048000"/>
-              <a:gd name="connsiteY3" fmla="*/ 2569 h 203200"/>
-              <a:gd name="connsiteX4" fmla="*/ 3048000 w 3048000"/>
-              <a:gd name="connsiteY4" fmla="*/ 0 h 203200"/>
-              <a:gd name="connsiteX0" fmla="*/ 0 w 3048000"/>
-              <a:gd name="connsiteY0" fmla="*/ 203200 h 204178"/>
-              <a:gd name="connsiteX1" fmla="*/ 1280648 w 3048000"/>
-              <a:gd name="connsiteY1" fmla="*/ 202514 h 204178"/>
-              <a:gd name="connsiteX2" fmla="*/ 1772230 w 3048000"/>
-              <a:gd name="connsiteY2" fmla="*/ 176819 h 204178"/>
-              <a:gd name="connsiteX3" fmla="*/ 1758844 w 3048000"/>
-              <a:gd name="connsiteY3" fmla="*/ 2569 h 204178"/>
-              <a:gd name="connsiteX4" fmla="*/ 3048000 w 3048000"/>
-              <a:gd name="connsiteY4" fmla="*/ 0 h 204178"/>
-              <a:gd name="connsiteX0" fmla="*/ 0 w 3048000"/>
-              <a:gd name="connsiteY0" fmla="*/ 203200 h 204178"/>
-              <a:gd name="connsiteX1" fmla="*/ 1280648 w 3048000"/>
-              <a:gd name="connsiteY1" fmla="*/ 202514 h 204178"/>
-              <a:gd name="connsiteX2" fmla="*/ 1772230 w 3048000"/>
-              <a:gd name="connsiteY2" fmla="*/ 176819 h 204178"/>
-              <a:gd name="connsiteX3" fmla="*/ 1758844 w 3048000"/>
-              <a:gd name="connsiteY3" fmla="*/ 2569 h 204178"/>
-              <a:gd name="connsiteX4" fmla="*/ 3048000 w 3048000"/>
-              <a:gd name="connsiteY4" fmla="*/ 0 h 204178"/>
-              <a:gd name="connsiteX0" fmla="*/ 0 w 3048000"/>
-              <a:gd name="connsiteY0" fmla="*/ 203200 h 207954"/>
-              <a:gd name="connsiteX1" fmla="*/ 1285850 w 3048000"/>
-              <a:gd name="connsiteY1" fmla="*/ 206850 h 207954"/>
-              <a:gd name="connsiteX2" fmla="*/ 1772230 w 3048000"/>
-              <a:gd name="connsiteY2" fmla="*/ 176819 h 207954"/>
-              <a:gd name="connsiteX3" fmla="*/ 1758844 w 3048000"/>
-              <a:gd name="connsiteY3" fmla="*/ 2569 h 207954"/>
-              <a:gd name="connsiteX4" fmla="*/ 3048000 w 3048000"/>
-              <a:gd name="connsiteY4" fmla="*/ 0 h 207954"/>
-              <a:gd name="connsiteX0" fmla="*/ 0 w 3048000"/>
-              <a:gd name="connsiteY0" fmla="*/ 203200 h 204178"/>
-              <a:gd name="connsiteX1" fmla="*/ 1285850 w 3048000"/>
-              <a:gd name="connsiteY1" fmla="*/ 202514 h 204178"/>
-              <a:gd name="connsiteX2" fmla="*/ 1772230 w 3048000"/>
-              <a:gd name="connsiteY2" fmla="*/ 176819 h 204178"/>
-              <a:gd name="connsiteX3" fmla="*/ 1758844 w 3048000"/>
-              <a:gd name="connsiteY3" fmla="*/ 2569 h 204178"/>
-              <a:gd name="connsiteX4" fmla="*/ 3048000 w 3048000"/>
-              <a:gd name="connsiteY4" fmla="*/ 0 h 204178"/>
-              <a:gd name="connsiteX0" fmla="*/ 0 w 3048000"/>
-              <a:gd name="connsiteY0" fmla="*/ 203200 h 204178"/>
-              <a:gd name="connsiteX1" fmla="*/ 1285850 w 3048000"/>
-              <a:gd name="connsiteY1" fmla="*/ 202514 h 204178"/>
-              <a:gd name="connsiteX2" fmla="*/ 1772230 w 3048000"/>
-              <a:gd name="connsiteY2" fmla="*/ 176819 h 204178"/>
-              <a:gd name="connsiteX3" fmla="*/ 1758844 w 3048000"/>
-              <a:gd name="connsiteY3" fmla="*/ 2569 h 204178"/>
-              <a:gd name="connsiteX4" fmla="*/ 3048000 w 3048000"/>
-              <a:gd name="connsiteY4" fmla="*/ 0 h 204178"/>
-              <a:gd name="connsiteX0" fmla="*/ 0 w 3048000"/>
-              <a:gd name="connsiteY0" fmla="*/ 203200 h 204178"/>
-              <a:gd name="connsiteX1" fmla="*/ 1285850 w 3048000"/>
-              <a:gd name="connsiteY1" fmla="*/ 202514 h 204178"/>
-              <a:gd name="connsiteX2" fmla="*/ 1772230 w 3048000"/>
-              <a:gd name="connsiteY2" fmla="*/ 176819 h 204178"/>
-              <a:gd name="connsiteX3" fmla="*/ 1810863 w 3048000"/>
-              <a:gd name="connsiteY3" fmla="*/ 3436 h 204178"/>
-              <a:gd name="connsiteX4" fmla="*/ 3048000 w 3048000"/>
-              <a:gd name="connsiteY4" fmla="*/ 0 h 204178"/>
-              <a:gd name="connsiteX0" fmla="*/ 0 w 3048000"/>
-              <a:gd name="connsiteY0" fmla="*/ 203200 h 204178"/>
-              <a:gd name="connsiteX1" fmla="*/ 1493927 w 3048000"/>
-              <a:gd name="connsiteY1" fmla="*/ 202514 h 204178"/>
-              <a:gd name="connsiteX2" fmla="*/ 1772230 w 3048000"/>
-              <a:gd name="connsiteY2" fmla="*/ 176819 h 204178"/>
-              <a:gd name="connsiteX3" fmla="*/ 1810863 w 3048000"/>
-              <a:gd name="connsiteY3" fmla="*/ 3436 h 204178"/>
-              <a:gd name="connsiteX4" fmla="*/ 3048000 w 3048000"/>
-              <a:gd name="connsiteY4" fmla="*/ 0 h 204178"/>
-              <a:gd name="connsiteX0" fmla="*/ 0 w 3048000"/>
-              <a:gd name="connsiteY0" fmla="*/ 203200 h 204890"/>
-              <a:gd name="connsiteX1" fmla="*/ 1644783 w 3048000"/>
-              <a:gd name="connsiteY1" fmla="*/ 203381 h 204890"/>
-              <a:gd name="connsiteX2" fmla="*/ 1772230 w 3048000"/>
-              <a:gd name="connsiteY2" fmla="*/ 176819 h 204890"/>
-              <a:gd name="connsiteX3" fmla="*/ 1810863 w 3048000"/>
-              <a:gd name="connsiteY3" fmla="*/ 3436 h 204890"/>
-              <a:gd name="connsiteX4" fmla="*/ 3048000 w 3048000"/>
-              <a:gd name="connsiteY4" fmla="*/ 0 h 204890"/>
-              <a:gd name="connsiteX0" fmla="*/ 0 w 3048000"/>
-              <a:gd name="connsiteY0" fmla="*/ 203200 h 204890"/>
-              <a:gd name="connsiteX1" fmla="*/ 1644783 w 3048000"/>
-              <a:gd name="connsiteY1" fmla="*/ 203381 h 204890"/>
-              <a:gd name="connsiteX2" fmla="*/ 1824249 w 3048000"/>
-              <a:gd name="connsiteY2" fmla="*/ 166412 h 204890"/>
-              <a:gd name="connsiteX3" fmla="*/ 1810863 w 3048000"/>
-              <a:gd name="connsiteY3" fmla="*/ 3436 h 204890"/>
-              <a:gd name="connsiteX4" fmla="*/ 3048000 w 3048000"/>
-              <a:gd name="connsiteY4" fmla="*/ 0 h 204890"/>
-              <a:gd name="connsiteX0" fmla="*/ 0 w 3048000"/>
-              <a:gd name="connsiteY0" fmla="*/ 203200 h 204890"/>
-              <a:gd name="connsiteX1" fmla="*/ 1644783 w 3048000"/>
-              <a:gd name="connsiteY1" fmla="*/ 203381 h 204890"/>
-              <a:gd name="connsiteX2" fmla="*/ 1793037 w 3048000"/>
-              <a:gd name="connsiteY2" fmla="*/ 143864 h 204890"/>
-              <a:gd name="connsiteX3" fmla="*/ 1810863 w 3048000"/>
-              <a:gd name="connsiteY3" fmla="*/ 3436 h 204890"/>
-              <a:gd name="connsiteX4" fmla="*/ 3048000 w 3048000"/>
-              <a:gd name="connsiteY4" fmla="*/ 0 h 204890"/>
-              <a:gd name="connsiteX0" fmla="*/ 0 w 3048000"/>
-              <a:gd name="connsiteY0" fmla="*/ 203200 h 204890"/>
-              <a:gd name="connsiteX1" fmla="*/ 1644783 w 3048000"/>
-              <a:gd name="connsiteY1" fmla="*/ 203381 h 204890"/>
-              <a:gd name="connsiteX2" fmla="*/ 1954297 w 3048000"/>
-              <a:gd name="connsiteY2" fmla="*/ 180288 h 204890"/>
-              <a:gd name="connsiteX3" fmla="*/ 1810863 w 3048000"/>
-              <a:gd name="connsiteY3" fmla="*/ 3436 h 204890"/>
-              <a:gd name="connsiteX4" fmla="*/ 3048000 w 3048000"/>
-              <a:gd name="connsiteY4" fmla="*/ 0 h 204890"/>
-              <a:gd name="connsiteX0" fmla="*/ 0 w 3048000"/>
-              <a:gd name="connsiteY0" fmla="*/ 203200 h 204890"/>
-              <a:gd name="connsiteX1" fmla="*/ 1644783 w 3048000"/>
-              <a:gd name="connsiteY1" fmla="*/ 203381 h 204890"/>
-              <a:gd name="connsiteX2" fmla="*/ 1954297 w 3048000"/>
-              <a:gd name="connsiteY2" fmla="*/ 180288 h 204890"/>
-              <a:gd name="connsiteX3" fmla="*/ 1810863 w 3048000"/>
-              <a:gd name="connsiteY3" fmla="*/ 3436 h 204890"/>
-              <a:gd name="connsiteX4" fmla="*/ 3048000 w 3048000"/>
-              <a:gd name="connsiteY4" fmla="*/ 0 h 204890"/>
-              <a:gd name="connsiteX0" fmla="*/ 0 w 3048000"/>
-              <a:gd name="connsiteY0" fmla="*/ 203200 h 204890"/>
-              <a:gd name="connsiteX1" fmla="*/ 1644783 w 3048000"/>
-              <a:gd name="connsiteY1" fmla="*/ 203381 h 204890"/>
-              <a:gd name="connsiteX2" fmla="*/ 1954297 w 3048000"/>
-              <a:gd name="connsiteY2" fmla="*/ 180288 h 204890"/>
-              <a:gd name="connsiteX3" fmla="*/ 1810863 w 3048000"/>
-              <a:gd name="connsiteY3" fmla="*/ 3436 h 204890"/>
-              <a:gd name="connsiteX4" fmla="*/ 3048000 w 3048000"/>
-              <a:gd name="connsiteY4" fmla="*/ 0 h 204890"/>
-              <a:gd name="connsiteX0" fmla="*/ 0 w 3048000"/>
-              <a:gd name="connsiteY0" fmla="*/ 203200 h 207166"/>
-              <a:gd name="connsiteX1" fmla="*/ 1421100 w 3048000"/>
-              <a:gd name="connsiteY1" fmla="*/ 205983 h 207166"/>
-              <a:gd name="connsiteX2" fmla="*/ 1954297 w 3048000"/>
-              <a:gd name="connsiteY2" fmla="*/ 180288 h 207166"/>
-              <a:gd name="connsiteX3" fmla="*/ 1810863 w 3048000"/>
-              <a:gd name="connsiteY3" fmla="*/ 3436 h 207166"/>
-              <a:gd name="connsiteX4" fmla="*/ 3048000 w 3048000"/>
-              <a:gd name="connsiteY4" fmla="*/ 0 h 207166"/>
-              <a:gd name="connsiteX0" fmla="*/ 0 w 3048000"/>
-              <a:gd name="connsiteY0" fmla="*/ 203200 h 207166"/>
-              <a:gd name="connsiteX1" fmla="*/ 1421100 w 3048000"/>
-              <a:gd name="connsiteY1" fmla="*/ 205983 h 207166"/>
-              <a:gd name="connsiteX2" fmla="*/ 1777431 w 3048000"/>
-              <a:gd name="connsiteY2" fmla="*/ 181155 h 207166"/>
-              <a:gd name="connsiteX3" fmla="*/ 1810863 w 3048000"/>
-              <a:gd name="connsiteY3" fmla="*/ 3436 h 207166"/>
-              <a:gd name="connsiteX4" fmla="*/ 3048000 w 3048000"/>
-              <a:gd name="connsiteY4" fmla="*/ 0 h 207166"/>
-              <a:gd name="connsiteX0" fmla="*/ 0 w 3048000"/>
-              <a:gd name="connsiteY0" fmla="*/ 203200 h 203503"/>
-              <a:gd name="connsiteX1" fmla="*/ 1077773 w 3048000"/>
-              <a:gd name="connsiteY1" fmla="*/ 201647 h 203503"/>
-              <a:gd name="connsiteX2" fmla="*/ 1777431 w 3048000"/>
-              <a:gd name="connsiteY2" fmla="*/ 181155 h 203503"/>
-              <a:gd name="connsiteX3" fmla="*/ 1810863 w 3048000"/>
-              <a:gd name="connsiteY3" fmla="*/ 3436 h 203503"/>
-              <a:gd name="connsiteX4" fmla="*/ 3048000 w 3048000"/>
-              <a:gd name="connsiteY4" fmla="*/ 0 h 203503"/>
-              <a:gd name="connsiteX0" fmla="*/ 0 w 3048000"/>
-              <a:gd name="connsiteY0" fmla="*/ 203200 h 204890"/>
-              <a:gd name="connsiteX1" fmla="*/ 1124590 w 3048000"/>
-              <a:gd name="connsiteY1" fmla="*/ 203381 h 204890"/>
-              <a:gd name="connsiteX2" fmla="*/ 1777431 w 3048000"/>
-              <a:gd name="connsiteY2" fmla="*/ 181155 h 204890"/>
-              <a:gd name="connsiteX3" fmla="*/ 1810863 w 3048000"/>
-              <a:gd name="connsiteY3" fmla="*/ 3436 h 204890"/>
-              <a:gd name="connsiteX4" fmla="*/ 3048000 w 3048000"/>
-              <a:gd name="connsiteY4" fmla="*/ 0 h 204890"/>
-              <a:gd name="connsiteX0" fmla="*/ 0 w 3048000"/>
-              <a:gd name="connsiteY0" fmla="*/ 203200 h 204890"/>
-              <a:gd name="connsiteX1" fmla="*/ 1124590 w 3048000"/>
-              <a:gd name="connsiteY1" fmla="*/ 203381 h 204890"/>
-              <a:gd name="connsiteX2" fmla="*/ 1777431 w 3048000"/>
-              <a:gd name="connsiteY2" fmla="*/ 181155 h 204890"/>
-              <a:gd name="connsiteX3" fmla="*/ 1806041 w 3048000"/>
-              <a:gd name="connsiteY3" fmla="*/ 133507 h 204890"/>
-              <a:gd name="connsiteX4" fmla="*/ 1810863 w 3048000"/>
-              <a:gd name="connsiteY4" fmla="*/ 3436 h 204890"/>
-              <a:gd name="connsiteX5" fmla="*/ 3048000 w 3048000"/>
-              <a:gd name="connsiteY5" fmla="*/ 0 h 204890"/>
-              <a:gd name="connsiteX0" fmla="*/ 0 w 3048000"/>
-              <a:gd name="connsiteY0" fmla="*/ 203200 h 204890"/>
-              <a:gd name="connsiteX1" fmla="*/ 1124590 w 3048000"/>
-              <a:gd name="connsiteY1" fmla="*/ 203381 h 204890"/>
-              <a:gd name="connsiteX2" fmla="*/ 1777431 w 3048000"/>
-              <a:gd name="connsiteY2" fmla="*/ 181155 h 204890"/>
-              <a:gd name="connsiteX3" fmla="*/ 1806041 w 3048000"/>
-              <a:gd name="connsiteY3" fmla="*/ 133507 h 204890"/>
-              <a:gd name="connsiteX4" fmla="*/ 1816445 w 3048000"/>
-              <a:gd name="connsiteY4" fmla="*/ 64128 h 204890"/>
-              <a:gd name="connsiteX5" fmla="*/ 1810863 w 3048000"/>
-              <a:gd name="connsiteY5" fmla="*/ 3436 h 204890"/>
-              <a:gd name="connsiteX6" fmla="*/ 3048000 w 3048000"/>
-              <a:gd name="connsiteY6" fmla="*/ 0 h 204890"/>
-              <a:gd name="connsiteX0" fmla="*/ 0 w 3048000"/>
-              <a:gd name="connsiteY0" fmla="*/ 203200 h 204890"/>
-              <a:gd name="connsiteX1" fmla="*/ 1124590 w 3048000"/>
-              <a:gd name="connsiteY1" fmla="*/ 203381 h 204890"/>
-              <a:gd name="connsiteX2" fmla="*/ 1777431 w 3048000"/>
-              <a:gd name="connsiteY2" fmla="*/ 181155 h 204890"/>
-              <a:gd name="connsiteX3" fmla="*/ 1806041 w 3048000"/>
-              <a:gd name="connsiteY3" fmla="*/ 133507 h 204890"/>
-              <a:gd name="connsiteX4" fmla="*/ 1816445 w 3048000"/>
-              <a:gd name="connsiteY4" fmla="*/ 64128 h 204890"/>
-              <a:gd name="connsiteX5" fmla="*/ 1790435 w 3048000"/>
-              <a:gd name="connsiteY5" fmla="*/ 23367 h 204890"/>
-              <a:gd name="connsiteX6" fmla="*/ 1810863 w 3048000"/>
-              <a:gd name="connsiteY6" fmla="*/ 3436 h 204890"/>
-              <a:gd name="connsiteX7" fmla="*/ 3048000 w 3048000"/>
-              <a:gd name="connsiteY7" fmla="*/ 0 h 204890"/>
-              <a:gd name="connsiteX0" fmla="*/ 0 w 3048000"/>
-              <a:gd name="connsiteY0" fmla="*/ 217109 h 218799"/>
-              <a:gd name="connsiteX1" fmla="*/ 1124590 w 3048000"/>
-              <a:gd name="connsiteY1" fmla="*/ 217290 h 218799"/>
-              <a:gd name="connsiteX2" fmla="*/ 1777431 w 3048000"/>
-              <a:gd name="connsiteY2" fmla="*/ 195064 h 218799"/>
-              <a:gd name="connsiteX3" fmla="*/ 1806041 w 3048000"/>
-              <a:gd name="connsiteY3" fmla="*/ 147416 h 218799"/>
-              <a:gd name="connsiteX4" fmla="*/ 1816445 w 3048000"/>
-              <a:gd name="connsiteY4" fmla="*/ 78037 h 218799"/>
-              <a:gd name="connsiteX5" fmla="*/ 1790435 w 3048000"/>
-              <a:gd name="connsiteY5" fmla="*/ 37276 h 218799"/>
-              <a:gd name="connsiteX6" fmla="*/ 1868084 w 3048000"/>
-              <a:gd name="connsiteY6" fmla="*/ 0 h 218799"/>
-              <a:gd name="connsiteX7" fmla="*/ 3048000 w 3048000"/>
-              <a:gd name="connsiteY7" fmla="*/ 13909 h 218799"/>
-              <a:gd name="connsiteX0" fmla="*/ 0 w 3074010"/>
-              <a:gd name="connsiteY0" fmla="*/ 219678 h 221368"/>
-              <a:gd name="connsiteX1" fmla="*/ 1124590 w 3074010"/>
-              <a:gd name="connsiteY1" fmla="*/ 219859 h 221368"/>
-              <a:gd name="connsiteX2" fmla="*/ 1777431 w 3074010"/>
-              <a:gd name="connsiteY2" fmla="*/ 197633 h 221368"/>
-              <a:gd name="connsiteX3" fmla="*/ 1806041 w 3074010"/>
-              <a:gd name="connsiteY3" fmla="*/ 149985 h 221368"/>
-              <a:gd name="connsiteX4" fmla="*/ 1816445 w 3074010"/>
-              <a:gd name="connsiteY4" fmla="*/ 80606 h 221368"/>
-              <a:gd name="connsiteX5" fmla="*/ 1790435 w 3074010"/>
-              <a:gd name="connsiteY5" fmla="*/ 39845 h 221368"/>
-              <a:gd name="connsiteX6" fmla="*/ 1868084 w 3074010"/>
-              <a:gd name="connsiteY6" fmla="*/ 2569 h 221368"/>
-              <a:gd name="connsiteX7" fmla="*/ 3074010 w 3074010"/>
-              <a:gd name="connsiteY7" fmla="*/ 0 h 221368"/>
-              <a:gd name="connsiteX0" fmla="*/ 0 w 3074010"/>
-              <a:gd name="connsiteY0" fmla="*/ 219678 h 221368"/>
-              <a:gd name="connsiteX1" fmla="*/ 1124590 w 3074010"/>
-              <a:gd name="connsiteY1" fmla="*/ 219859 h 221368"/>
-              <a:gd name="connsiteX2" fmla="*/ 1777431 w 3074010"/>
-              <a:gd name="connsiteY2" fmla="*/ 197633 h 221368"/>
-              <a:gd name="connsiteX3" fmla="*/ 1806041 w 3074010"/>
-              <a:gd name="connsiteY3" fmla="*/ 149985 h 221368"/>
-              <a:gd name="connsiteX4" fmla="*/ 1816445 w 3074010"/>
-              <a:gd name="connsiteY4" fmla="*/ 80606 h 221368"/>
-              <a:gd name="connsiteX5" fmla="*/ 1790435 w 3074010"/>
-              <a:gd name="connsiteY5" fmla="*/ 39845 h 221368"/>
-              <a:gd name="connsiteX6" fmla="*/ 1966921 w 3074010"/>
-              <a:gd name="connsiteY6" fmla="*/ 2569 h 221368"/>
-              <a:gd name="connsiteX7" fmla="*/ 3074010 w 3074010"/>
-              <a:gd name="connsiteY7" fmla="*/ 0 h 221368"/>
-              <a:gd name="connsiteX0" fmla="*/ 0 w 3074010"/>
-              <a:gd name="connsiteY0" fmla="*/ 219678 h 221368"/>
-              <a:gd name="connsiteX1" fmla="*/ 1124590 w 3074010"/>
-              <a:gd name="connsiteY1" fmla="*/ 219859 h 221368"/>
-              <a:gd name="connsiteX2" fmla="*/ 1777431 w 3074010"/>
-              <a:gd name="connsiteY2" fmla="*/ 197633 h 221368"/>
-              <a:gd name="connsiteX3" fmla="*/ 1806041 w 3074010"/>
-              <a:gd name="connsiteY3" fmla="*/ 149985 h 221368"/>
-              <a:gd name="connsiteX4" fmla="*/ 1816445 w 3074010"/>
-              <a:gd name="connsiteY4" fmla="*/ 80606 h 221368"/>
-              <a:gd name="connsiteX5" fmla="*/ 1821647 w 3074010"/>
-              <a:gd name="connsiteY5" fmla="*/ 39845 h 221368"/>
-              <a:gd name="connsiteX6" fmla="*/ 1966921 w 3074010"/>
-              <a:gd name="connsiteY6" fmla="*/ 2569 h 221368"/>
-              <a:gd name="connsiteX7" fmla="*/ 3074010 w 3074010"/>
-              <a:gd name="connsiteY7" fmla="*/ 0 h 221368"/>
-              <a:gd name="connsiteX0" fmla="*/ 0 w 3074010"/>
-              <a:gd name="connsiteY0" fmla="*/ 219678 h 221368"/>
-              <a:gd name="connsiteX1" fmla="*/ 1124590 w 3074010"/>
-              <a:gd name="connsiteY1" fmla="*/ 219859 h 221368"/>
-              <a:gd name="connsiteX2" fmla="*/ 1777431 w 3074010"/>
-              <a:gd name="connsiteY2" fmla="*/ 197633 h 221368"/>
-              <a:gd name="connsiteX3" fmla="*/ 1826849 w 3074010"/>
-              <a:gd name="connsiteY3" fmla="*/ 149985 h 221368"/>
-              <a:gd name="connsiteX4" fmla="*/ 1816445 w 3074010"/>
-              <a:gd name="connsiteY4" fmla="*/ 80606 h 221368"/>
-              <a:gd name="connsiteX5" fmla="*/ 1821647 w 3074010"/>
-              <a:gd name="connsiteY5" fmla="*/ 39845 h 221368"/>
-              <a:gd name="connsiteX6" fmla="*/ 1966921 w 3074010"/>
-              <a:gd name="connsiteY6" fmla="*/ 2569 h 221368"/>
-              <a:gd name="connsiteX7" fmla="*/ 3074010 w 3074010"/>
-              <a:gd name="connsiteY7" fmla="*/ 0 h 221368"/>
-              <a:gd name="connsiteX0" fmla="*/ 0 w 3074010"/>
-              <a:gd name="connsiteY0" fmla="*/ 219678 h 224646"/>
-              <a:gd name="connsiteX1" fmla="*/ 1124590 w 3074010"/>
-              <a:gd name="connsiteY1" fmla="*/ 219859 h 224646"/>
-              <a:gd name="connsiteX2" fmla="*/ 1845057 w 3074010"/>
-              <a:gd name="connsiteY2" fmla="*/ 211509 h 224646"/>
-              <a:gd name="connsiteX3" fmla="*/ 1826849 w 3074010"/>
-              <a:gd name="connsiteY3" fmla="*/ 149985 h 224646"/>
-              <a:gd name="connsiteX4" fmla="*/ 1816445 w 3074010"/>
-              <a:gd name="connsiteY4" fmla="*/ 80606 h 224646"/>
-              <a:gd name="connsiteX5" fmla="*/ 1821647 w 3074010"/>
-              <a:gd name="connsiteY5" fmla="*/ 39845 h 224646"/>
-              <a:gd name="connsiteX6" fmla="*/ 1966921 w 3074010"/>
-              <a:gd name="connsiteY6" fmla="*/ 2569 h 224646"/>
-              <a:gd name="connsiteX7" fmla="*/ 3074010 w 3074010"/>
-              <a:gd name="connsiteY7" fmla="*/ 0 h 224646"/>
-              <a:gd name="connsiteX0" fmla="*/ 0 w 3074010"/>
-              <a:gd name="connsiteY0" fmla="*/ 219678 h 224646"/>
-              <a:gd name="connsiteX1" fmla="*/ 1124590 w 3074010"/>
-              <a:gd name="connsiteY1" fmla="*/ 219859 h 224646"/>
-              <a:gd name="connsiteX2" fmla="*/ 1798239 w 3074010"/>
-              <a:gd name="connsiteY2" fmla="*/ 211509 h 224646"/>
-              <a:gd name="connsiteX3" fmla="*/ 1826849 w 3074010"/>
-              <a:gd name="connsiteY3" fmla="*/ 149985 h 224646"/>
-              <a:gd name="connsiteX4" fmla="*/ 1816445 w 3074010"/>
-              <a:gd name="connsiteY4" fmla="*/ 80606 h 224646"/>
-              <a:gd name="connsiteX5" fmla="*/ 1821647 w 3074010"/>
-              <a:gd name="connsiteY5" fmla="*/ 39845 h 224646"/>
-              <a:gd name="connsiteX6" fmla="*/ 1966921 w 3074010"/>
-              <a:gd name="connsiteY6" fmla="*/ 2569 h 224646"/>
-              <a:gd name="connsiteX7" fmla="*/ 3074010 w 3074010"/>
-              <a:gd name="connsiteY7" fmla="*/ 0 h 224646"/>
-              <a:gd name="connsiteX0" fmla="*/ 0 w 3074010"/>
-              <a:gd name="connsiteY0" fmla="*/ 219678 h 221368"/>
-              <a:gd name="connsiteX1" fmla="*/ 1124590 w 3074010"/>
-              <a:gd name="connsiteY1" fmla="*/ 219859 h 221368"/>
-              <a:gd name="connsiteX2" fmla="*/ 1798239 w 3074010"/>
-              <a:gd name="connsiteY2" fmla="*/ 211509 h 221368"/>
-              <a:gd name="connsiteX3" fmla="*/ 1826849 w 3074010"/>
-              <a:gd name="connsiteY3" fmla="*/ 149985 h 221368"/>
-              <a:gd name="connsiteX4" fmla="*/ 1816445 w 3074010"/>
-              <a:gd name="connsiteY4" fmla="*/ 80606 h 221368"/>
-              <a:gd name="connsiteX5" fmla="*/ 1821647 w 3074010"/>
-              <a:gd name="connsiteY5" fmla="*/ 39845 h 221368"/>
-              <a:gd name="connsiteX6" fmla="*/ 1966921 w 3074010"/>
-              <a:gd name="connsiteY6" fmla="*/ 2569 h 221368"/>
-              <a:gd name="connsiteX7" fmla="*/ 3074010 w 3074010"/>
-              <a:gd name="connsiteY7" fmla="*/ 0 h 221368"/>
-              <a:gd name="connsiteX0" fmla="*/ 0 w 3074010"/>
-              <a:gd name="connsiteY0" fmla="*/ 219678 h 221368"/>
-              <a:gd name="connsiteX1" fmla="*/ 1124590 w 3074010"/>
-              <a:gd name="connsiteY1" fmla="*/ 219859 h 221368"/>
-              <a:gd name="connsiteX2" fmla="*/ 1798239 w 3074010"/>
-              <a:gd name="connsiteY2" fmla="*/ 211509 h 221368"/>
-              <a:gd name="connsiteX3" fmla="*/ 1826849 w 3074010"/>
-              <a:gd name="connsiteY3" fmla="*/ 149985 h 221368"/>
-              <a:gd name="connsiteX4" fmla="*/ 1816445 w 3074010"/>
-              <a:gd name="connsiteY4" fmla="*/ 80606 h 221368"/>
-              <a:gd name="connsiteX5" fmla="*/ 1821647 w 3074010"/>
-              <a:gd name="connsiteY5" fmla="*/ 39845 h 221368"/>
-              <a:gd name="connsiteX6" fmla="*/ 1966921 w 3074010"/>
-              <a:gd name="connsiteY6" fmla="*/ 2569 h 221368"/>
-              <a:gd name="connsiteX7" fmla="*/ 3074010 w 3074010"/>
-              <a:gd name="connsiteY7" fmla="*/ 0 h 221368"/>
-            </a:gdLst>
-            <a:ahLst/>
-            <a:cxnLst>
-              <a:cxn ang="0">
-                <a:pos x="connsiteX0" y="connsiteY0"/>
-              </a:cxn>
-              <a:cxn ang="0">
-                <a:pos x="connsiteX1" y="connsiteY1"/>
-              </a:cxn>
-              <a:cxn ang="0">
-                <a:pos x="connsiteX2" y="connsiteY2"/>
-              </a:cxn>
-              <a:cxn ang="0">
-                <a:pos x="connsiteX3" y="connsiteY3"/>
-              </a:cxn>
-              <a:cxn ang="0">
-                <a:pos x="connsiteX4" y="connsiteY4"/>
-              </a:cxn>
-              <a:cxn ang="0">
-                <a:pos x="connsiteX5" y="connsiteY5"/>
-              </a:cxn>
-              <a:cxn ang="0">
-                <a:pos x="connsiteX6" y="connsiteY6"/>
-              </a:cxn>
-              <a:cxn ang="0">
-                <a:pos x="connsiteX7" y="connsiteY7"/>
-              </a:cxn>
-            </a:cxnLst>
-            <a:rect l="l" t="t" r="r" b="b"/>
-            <a:pathLst>
-              <a:path w="3074010" h="221368">
-                <a:moveTo>
-                  <a:pt x="0" y="219678"/>
-                </a:moveTo>
-                <a:cubicBezTo>
-                  <a:pt x="73639" y="217423"/>
-                  <a:pt x="829218" y="224256"/>
-                  <a:pt x="1124590" y="219859"/>
-                </a:cubicBezTo>
-                <a:cubicBezTo>
-                  <a:pt x="1352336" y="219959"/>
-                  <a:pt x="1396670" y="223613"/>
-                  <a:pt x="1798239" y="211509"/>
-                </a:cubicBezTo>
-                <a:cubicBezTo>
-                  <a:pt x="1836386" y="196539"/>
-                  <a:pt x="1821277" y="179605"/>
-                  <a:pt x="1826849" y="149985"/>
-                </a:cubicBezTo>
-                <a:cubicBezTo>
-                  <a:pt x="1819480" y="130191"/>
-                  <a:pt x="1815641" y="102284"/>
-                  <a:pt x="1816445" y="80606"/>
-                </a:cubicBezTo>
-                <a:cubicBezTo>
-                  <a:pt x="1802573" y="62249"/>
-                  <a:pt x="1822577" y="49960"/>
-                  <a:pt x="1821647" y="39845"/>
-                </a:cubicBezTo>
-                <a:cubicBezTo>
-                  <a:pt x="1820717" y="29730"/>
-                  <a:pt x="1746056" y="6464"/>
-                  <a:pt x="1966921" y="2569"/>
-                </a:cubicBezTo>
-                <a:lnTo>
-                  <a:pt x="3074010" y="0"/>
-                </a:lnTo>
-              </a:path>
-            </a:pathLst>
-          </a:custGeom>
-          <a:noFill/>
+        </p:nvCxnSpPr>
+        <p:spPr>
+          <a:xfrm flipV="1">
+            <a:off x="4320472" y="1816236"/>
+            <a:ext cx="1883378" cy="903187"/>
+          </a:xfrm>
+          <a:prstGeom prst="bentConnector3">
+            <a:avLst>
+              <a:gd name="adj1" fmla="val 50000"/>
+            </a:avLst>
+          </a:prstGeom>
           <a:ln w="19050">
             <a:solidFill>
               <a:schemeClr val="accent3"/>
             </a:solidFill>
-            <a:prstDash val="solid"/>
             <a:headEnd type="none" w="med" len="med"/>
             <a:tailEnd type="arrow" w="med" len="med"/>
           </a:ln>
@@ -6553,15 +6097,7 @@
             <a:schemeClr val="dk1"/>
           </a:fontRef>
         </p:style>
-        <p:txBody>
-          <a:bodyPr rtlCol="0" anchor="ctr"/>
-          <a:lstStyle/>
-          <a:p>
-            <a:pPr algn="ctr"/>
-            <a:endParaRPr lang="en-SG"/>
-          </a:p>
-        </p:txBody>
-      </p:sp>
+      </p:cxnSp>
     </p:spTree>
     <p:extLst>
       <p:ext uri="{BB962C8B-B14F-4D97-AF65-F5344CB8AC3E}">
